--- a/Web/RESTful_API_Definition/API_LastSprint.pptx
+++ b/Web/RESTful_API_Definition/API_LastSprint.pptx
@@ -5,14 +5,15 @@
     <p:sldMasterId id="2147483648" r:id="rId1"/>
   </p:sldMasterIdLst>
   <p:notesMasterIdLst>
-    <p:notesMasterId r:id="rId7"/>
+    <p:notesMasterId r:id="rId8"/>
   </p:notesMasterIdLst>
   <p:sldIdLst>
     <p:sldId id="256" r:id="rId2"/>
     <p:sldId id="261" r:id="rId3"/>
-    <p:sldId id="262" r:id="rId4"/>
-    <p:sldId id="258" r:id="rId5"/>
-    <p:sldId id="263" r:id="rId6"/>
+    <p:sldId id="264" r:id="rId4"/>
+    <p:sldId id="262" r:id="rId5"/>
+    <p:sldId id="258" r:id="rId6"/>
+    <p:sldId id="265" r:id="rId7"/>
   </p:sldIdLst>
   <p:sldSz cx="12192000" cy="6858000"/>
   <p:notesSz cx="6858000" cy="9144000"/>
@@ -1003,7 +1004,7 @@
           <a:p>
             <a:fld id="{10D08ABD-147D-43D8-AD0E-C56070E2C69D}" type="slidenum">
               <a:rPr lang="de-DE" smtClean="0"/>
-              <a:t>‹N°›</a:t>
+              <a:t>‹#›</a:t>
             </a:fld>
             <a:endParaRPr lang="de-DE"/>
           </a:p>
@@ -1235,7 +1236,7 @@
           <p:cNvPr id="2" name="Titel 1">
             <a:extLst>
               <a:ext uri="{FF2B5EF4-FFF2-40B4-BE49-F238E27FC236}">
-                <a16:creationId xmlns:a16="http://schemas.microsoft.com/office/drawing/2014/main" xmlns="" id="{701EABE2-81DB-4A57-87BD-BAC9B81DA953}"/>
+                <a16:creationId xmlns:a16="http://schemas.microsoft.com/office/drawing/2014/main" id="{701EABE2-81DB-4A57-87BD-BAC9B81DA953}"/>
               </a:ext>
             </a:extLst>
           </p:cNvPr>
@@ -1272,7 +1273,7 @@
           <p:cNvPr id="3" name="Untertitel 2">
             <a:extLst>
               <a:ext uri="{FF2B5EF4-FFF2-40B4-BE49-F238E27FC236}">
-                <a16:creationId xmlns:a16="http://schemas.microsoft.com/office/drawing/2014/main" xmlns="" id="{9E44B19B-9953-4462-B98C-34C559DFD4BA}"/>
+                <a16:creationId xmlns:a16="http://schemas.microsoft.com/office/drawing/2014/main" id="{9E44B19B-9953-4462-B98C-34C559DFD4BA}"/>
               </a:ext>
             </a:extLst>
           </p:cNvPr>
@@ -1342,7 +1343,7 @@
           <p:cNvPr id="4" name="Datumsplatzhalter 3">
             <a:extLst>
               <a:ext uri="{FF2B5EF4-FFF2-40B4-BE49-F238E27FC236}">
-                <a16:creationId xmlns:a16="http://schemas.microsoft.com/office/drawing/2014/main" xmlns="" id="{85282A0B-87AA-4F5C-9252-AB7E74ABF29B}"/>
+                <a16:creationId xmlns:a16="http://schemas.microsoft.com/office/drawing/2014/main" id="{85282A0B-87AA-4F5C-9252-AB7E74ABF29B}"/>
               </a:ext>
             </a:extLst>
           </p:cNvPr>
@@ -1371,7 +1372,7 @@
           <p:cNvPr id="5" name="Fußzeilenplatzhalter 4">
             <a:extLst>
               <a:ext uri="{FF2B5EF4-FFF2-40B4-BE49-F238E27FC236}">
-                <a16:creationId xmlns:a16="http://schemas.microsoft.com/office/drawing/2014/main" xmlns="" id="{CCE46F71-BCF6-41F3-8C17-381DF36140FE}"/>
+                <a16:creationId xmlns:a16="http://schemas.microsoft.com/office/drawing/2014/main" id="{CCE46F71-BCF6-41F3-8C17-381DF36140FE}"/>
               </a:ext>
             </a:extLst>
           </p:cNvPr>
@@ -1404,7 +1405,7 @@
           <p:cNvPr id="6" name="Foliennummernplatzhalter 5">
             <a:extLst>
               <a:ext uri="{FF2B5EF4-FFF2-40B4-BE49-F238E27FC236}">
-                <a16:creationId xmlns:a16="http://schemas.microsoft.com/office/drawing/2014/main" xmlns="" id="{DF41A37E-A33B-4798-9922-3B8B5AE5A27B}"/>
+                <a16:creationId xmlns:a16="http://schemas.microsoft.com/office/drawing/2014/main" id="{DF41A37E-A33B-4798-9922-3B8B5AE5A27B}"/>
               </a:ext>
             </a:extLst>
           </p:cNvPr>
@@ -1430,7 +1431,7 @@
           <a:p>
             <a:fld id="{9A48FC86-4651-46AF-9E4A-D3FC30E17613}" type="slidenum">
               <a:rPr lang="de-DE" smtClean="0"/>
-              <a:t>‹N°›</a:t>
+              <a:t>‹#›</a:t>
             </a:fld>
             <a:endParaRPr lang="de-DE"/>
           </a:p>
@@ -1471,7 +1472,7 @@
           <p:cNvPr id="2" name="Titel 1">
             <a:extLst>
               <a:ext uri="{FF2B5EF4-FFF2-40B4-BE49-F238E27FC236}">
-                <a16:creationId xmlns:a16="http://schemas.microsoft.com/office/drawing/2014/main" xmlns="" id="{FCE4A30D-3A8C-4B77-B82E-724CCF54EFD5}"/>
+                <a16:creationId xmlns:a16="http://schemas.microsoft.com/office/drawing/2014/main" id="{FCE4A30D-3A8C-4B77-B82E-724CCF54EFD5}"/>
               </a:ext>
             </a:extLst>
           </p:cNvPr>
@@ -1499,7 +1500,7 @@
           <p:cNvPr id="3" name="Vertikaler Textplatzhalter 2">
             <a:extLst>
               <a:ext uri="{FF2B5EF4-FFF2-40B4-BE49-F238E27FC236}">
-                <a16:creationId xmlns:a16="http://schemas.microsoft.com/office/drawing/2014/main" xmlns="" id="{D0312C4C-DD67-420D-AE80-FBF20CAD00FE}"/>
+                <a16:creationId xmlns:a16="http://schemas.microsoft.com/office/drawing/2014/main" id="{D0312C4C-DD67-420D-AE80-FBF20CAD00FE}"/>
               </a:ext>
             </a:extLst>
           </p:cNvPr>
@@ -1556,7 +1557,7 @@
           <p:cNvPr id="4" name="Datumsplatzhalter 3">
             <a:extLst>
               <a:ext uri="{FF2B5EF4-FFF2-40B4-BE49-F238E27FC236}">
-                <a16:creationId xmlns:a16="http://schemas.microsoft.com/office/drawing/2014/main" xmlns="" id="{752D94C2-424D-4096-8FAE-F12A3D4A5C7D}"/>
+                <a16:creationId xmlns:a16="http://schemas.microsoft.com/office/drawing/2014/main" id="{752D94C2-424D-4096-8FAE-F12A3D4A5C7D}"/>
               </a:ext>
             </a:extLst>
           </p:cNvPr>
@@ -1585,7 +1586,7 @@
           <p:cNvPr id="5" name="Fußzeilenplatzhalter 4">
             <a:extLst>
               <a:ext uri="{FF2B5EF4-FFF2-40B4-BE49-F238E27FC236}">
-                <a16:creationId xmlns:a16="http://schemas.microsoft.com/office/drawing/2014/main" xmlns="" id="{02BB29D6-C358-4D1F-90A7-5282C5CF3A2B}"/>
+                <a16:creationId xmlns:a16="http://schemas.microsoft.com/office/drawing/2014/main" id="{02BB29D6-C358-4D1F-90A7-5282C5CF3A2B}"/>
               </a:ext>
             </a:extLst>
           </p:cNvPr>
@@ -1613,7 +1614,7 @@
           <p:cNvPr id="6" name="Foliennummernplatzhalter 5">
             <a:extLst>
               <a:ext uri="{FF2B5EF4-FFF2-40B4-BE49-F238E27FC236}">
-                <a16:creationId xmlns:a16="http://schemas.microsoft.com/office/drawing/2014/main" xmlns="" id="{AE9CFC43-FC34-49A0-9C58-C1BA7EAB4CD1}"/>
+                <a16:creationId xmlns:a16="http://schemas.microsoft.com/office/drawing/2014/main" id="{AE9CFC43-FC34-49A0-9C58-C1BA7EAB4CD1}"/>
               </a:ext>
             </a:extLst>
           </p:cNvPr>
@@ -1639,7 +1640,7 @@
           <a:p>
             <a:fld id="{9A48FC86-4651-46AF-9E4A-D3FC30E17613}" type="slidenum">
               <a:rPr lang="de-DE" smtClean="0"/>
-              <a:t>‹N°›</a:t>
+              <a:t>‹#›</a:t>
             </a:fld>
             <a:endParaRPr lang="de-DE"/>
           </a:p>
@@ -1680,7 +1681,7 @@
           <p:cNvPr id="2" name="Vertikaler Titel 1">
             <a:extLst>
               <a:ext uri="{FF2B5EF4-FFF2-40B4-BE49-F238E27FC236}">
-                <a16:creationId xmlns:a16="http://schemas.microsoft.com/office/drawing/2014/main" xmlns="" id="{C6AE7126-CFA4-458D-B5F5-AA476ABB117D}"/>
+                <a16:creationId xmlns:a16="http://schemas.microsoft.com/office/drawing/2014/main" id="{C6AE7126-CFA4-458D-B5F5-AA476ABB117D}"/>
               </a:ext>
             </a:extLst>
           </p:cNvPr>
@@ -1713,7 +1714,7 @@
           <p:cNvPr id="3" name="Vertikaler Textplatzhalter 2">
             <a:extLst>
               <a:ext uri="{FF2B5EF4-FFF2-40B4-BE49-F238E27FC236}">
-                <a16:creationId xmlns:a16="http://schemas.microsoft.com/office/drawing/2014/main" xmlns="" id="{E4719945-B69E-4CB7-AF62-A8E248C097C4}"/>
+                <a16:creationId xmlns:a16="http://schemas.microsoft.com/office/drawing/2014/main" id="{E4719945-B69E-4CB7-AF62-A8E248C097C4}"/>
               </a:ext>
             </a:extLst>
           </p:cNvPr>
@@ -1775,7 +1776,7 @@
           <p:cNvPr id="4" name="Datumsplatzhalter 3">
             <a:extLst>
               <a:ext uri="{FF2B5EF4-FFF2-40B4-BE49-F238E27FC236}">
-                <a16:creationId xmlns:a16="http://schemas.microsoft.com/office/drawing/2014/main" xmlns="" id="{194C9456-1825-45D5-AFC8-7437C4E58D48}"/>
+                <a16:creationId xmlns:a16="http://schemas.microsoft.com/office/drawing/2014/main" id="{194C9456-1825-45D5-AFC8-7437C4E58D48}"/>
               </a:ext>
             </a:extLst>
           </p:cNvPr>
@@ -1804,7 +1805,7 @@
           <p:cNvPr id="5" name="Fußzeilenplatzhalter 4">
             <a:extLst>
               <a:ext uri="{FF2B5EF4-FFF2-40B4-BE49-F238E27FC236}">
-                <a16:creationId xmlns:a16="http://schemas.microsoft.com/office/drawing/2014/main" xmlns="" id="{0B1CC9B3-FE3E-4DC0-B71D-312C93D1814D}"/>
+                <a16:creationId xmlns:a16="http://schemas.microsoft.com/office/drawing/2014/main" id="{0B1CC9B3-FE3E-4DC0-B71D-312C93D1814D}"/>
               </a:ext>
             </a:extLst>
           </p:cNvPr>
@@ -1832,7 +1833,7 @@
           <p:cNvPr id="6" name="Foliennummernplatzhalter 5">
             <a:extLst>
               <a:ext uri="{FF2B5EF4-FFF2-40B4-BE49-F238E27FC236}">
-                <a16:creationId xmlns:a16="http://schemas.microsoft.com/office/drawing/2014/main" xmlns="" id="{41E050D8-C164-4E85-94F4-BA2B19D46D58}"/>
+                <a16:creationId xmlns:a16="http://schemas.microsoft.com/office/drawing/2014/main" id="{41E050D8-C164-4E85-94F4-BA2B19D46D58}"/>
               </a:ext>
             </a:extLst>
           </p:cNvPr>
@@ -1858,7 +1859,7 @@
           <a:p>
             <a:fld id="{9A48FC86-4651-46AF-9E4A-D3FC30E17613}" type="slidenum">
               <a:rPr lang="de-DE" smtClean="0"/>
-              <a:t>‹N°›</a:t>
+              <a:t>‹#›</a:t>
             </a:fld>
             <a:endParaRPr lang="de-DE"/>
           </a:p>
@@ -1899,7 +1900,7 @@
           <p:cNvPr id="2" name="Titel 1">
             <a:extLst>
               <a:ext uri="{FF2B5EF4-FFF2-40B4-BE49-F238E27FC236}">
-                <a16:creationId xmlns:a16="http://schemas.microsoft.com/office/drawing/2014/main" xmlns="" id="{C9100C2D-6625-4AF5-8937-424086BE0285}"/>
+                <a16:creationId xmlns:a16="http://schemas.microsoft.com/office/drawing/2014/main" id="{C9100C2D-6625-4AF5-8937-424086BE0285}"/>
               </a:ext>
             </a:extLst>
           </p:cNvPr>
@@ -1927,7 +1928,7 @@
           <p:cNvPr id="3" name="Inhaltsplatzhalter 2">
             <a:extLst>
               <a:ext uri="{FF2B5EF4-FFF2-40B4-BE49-F238E27FC236}">
-                <a16:creationId xmlns:a16="http://schemas.microsoft.com/office/drawing/2014/main" xmlns="" id="{38D1AAA1-BE3D-4A43-91C4-A2C3C6173375}"/>
+                <a16:creationId xmlns:a16="http://schemas.microsoft.com/office/drawing/2014/main" id="{38D1AAA1-BE3D-4A43-91C4-A2C3C6173375}"/>
               </a:ext>
             </a:extLst>
           </p:cNvPr>
@@ -1984,7 +1985,7 @@
           <p:cNvPr id="4" name="Datumsplatzhalter 3">
             <a:extLst>
               <a:ext uri="{FF2B5EF4-FFF2-40B4-BE49-F238E27FC236}">
-                <a16:creationId xmlns:a16="http://schemas.microsoft.com/office/drawing/2014/main" xmlns="" id="{48884C8B-06F5-44CC-B1D1-2A02463EC226}"/>
+                <a16:creationId xmlns:a16="http://schemas.microsoft.com/office/drawing/2014/main" id="{48884C8B-06F5-44CC-B1D1-2A02463EC226}"/>
               </a:ext>
             </a:extLst>
           </p:cNvPr>
@@ -2013,7 +2014,7 @@
           <p:cNvPr id="5" name="Fußzeilenplatzhalter 4">
             <a:extLst>
               <a:ext uri="{FF2B5EF4-FFF2-40B4-BE49-F238E27FC236}">
-                <a16:creationId xmlns:a16="http://schemas.microsoft.com/office/drawing/2014/main" xmlns="" id="{2EE480CA-0EC1-4AF7-9F30-F143FE83D99B}"/>
+                <a16:creationId xmlns:a16="http://schemas.microsoft.com/office/drawing/2014/main" id="{2EE480CA-0EC1-4AF7-9F30-F143FE83D99B}"/>
               </a:ext>
             </a:extLst>
           </p:cNvPr>
@@ -2046,7 +2047,7 @@
           <p:cNvPr id="6" name="Foliennummernplatzhalter 5">
             <a:extLst>
               <a:ext uri="{FF2B5EF4-FFF2-40B4-BE49-F238E27FC236}">
-                <a16:creationId xmlns:a16="http://schemas.microsoft.com/office/drawing/2014/main" xmlns="" id="{13337EC3-94DD-4B09-A484-F0141C1CB8B0}"/>
+                <a16:creationId xmlns:a16="http://schemas.microsoft.com/office/drawing/2014/main" id="{13337EC3-94DD-4B09-A484-F0141C1CB8B0}"/>
               </a:ext>
             </a:extLst>
           </p:cNvPr>
@@ -2072,7 +2073,7 @@
           <a:p>
             <a:fld id="{9A48FC86-4651-46AF-9E4A-D3FC30E17613}" type="slidenum">
               <a:rPr lang="de-DE" smtClean="0"/>
-              <a:t>‹N°›</a:t>
+              <a:t>‹#›</a:t>
             </a:fld>
             <a:endParaRPr lang="de-DE"/>
           </a:p>
@@ -2113,7 +2114,7 @@
           <p:cNvPr id="2" name="Titel 1">
             <a:extLst>
               <a:ext uri="{FF2B5EF4-FFF2-40B4-BE49-F238E27FC236}">
-                <a16:creationId xmlns:a16="http://schemas.microsoft.com/office/drawing/2014/main" xmlns="" id="{CBDD584A-A976-4556-9716-DA9197EACC6F}"/>
+                <a16:creationId xmlns:a16="http://schemas.microsoft.com/office/drawing/2014/main" id="{CBDD584A-A976-4556-9716-DA9197EACC6F}"/>
               </a:ext>
             </a:extLst>
           </p:cNvPr>
@@ -2150,7 +2151,7 @@
           <p:cNvPr id="3" name="Textplatzhalter 2">
             <a:extLst>
               <a:ext uri="{FF2B5EF4-FFF2-40B4-BE49-F238E27FC236}">
-                <a16:creationId xmlns:a16="http://schemas.microsoft.com/office/drawing/2014/main" xmlns="" id="{C713F004-8C3B-4899-9F30-C6CC20E50B36}"/>
+                <a16:creationId xmlns:a16="http://schemas.microsoft.com/office/drawing/2014/main" id="{C713F004-8C3B-4899-9F30-C6CC20E50B36}"/>
               </a:ext>
             </a:extLst>
           </p:cNvPr>
@@ -2275,7 +2276,7 @@
           <p:cNvPr id="4" name="Datumsplatzhalter 3">
             <a:extLst>
               <a:ext uri="{FF2B5EF4-FFF2-40B4-BE49-F238E27FC236}">
-                <a16:creationId xmlns:a16="http://schemas.microsoft.com/office/drawing/2014/main" xmlns="" id="{B300BECA-2226-430E-B31A-3A70D7FB0DD4}"/>
+                <a16:creationId xmlns:a16="http://schemas.microsoft.com/office/drawing/2014/main" id="{B300BECA-2226-430E-B31A-3A70D7FB0DD4}"/>
               </a:ext>
             </a:extLst>
           </p:cNvPr>
@@ -2304,7 +2305,7 @@
           <p:cNvPr id="5" name="Fußzeilenplatzhalter 4">
             <a:extLst>
               <a:ext uri="{FF2B5EF4-FFF2-40B4-BE49-F238E27FC236}">
-                <a16:creationId xmlns:a16="http://schemas.microsoft.com/office/drawing/2014/main" xmlns="" id="{9D2C0B24-C4C7-4E3E-A30D-AD2B22A8CAC5}"/>
+                <a16:creationId xmlns:a16="http://schemas.microsoft.com/office/drawing/2014/main" id="{9D2C0B24-C4C7-4E3E-A30D-AD2B22A8CAC5}"/>
               </a:ext>
             </a:extLst>
           </p:cNvPr>
@@ -2337,7 +2338,7 @@
           <p:cNvPr id="6" name="Foliennummernplatzhalter 5">
             <a:extLst>
               <a:ext uri="{FF2B5EF4-FFF2-40B4-BE49-F238E27FC236}">
-                <a16:creationId xmlns:a16="http://schemas.microsoft.com/office/drawing/2014/main" xmlns="" id="{15EF3485-89F1-47E8-AB99-914FE8775138}"/>
+                <a16:creationId xmlns:a16="http://schemas.microsoft.com/office/drawing/2014/main" id="{15EF3485-89F1-47E8-AB99-914FE8775138}"/>
               </a:ext>
             </a:extLst>
           </p:cNvPr>
@@ -2363,7 +2364,7 @@
           <a:p>
             <a:fld id="{9A48FC86-4651-46AF-9E4A-D3FC30E17613}" type="slidenum">
               <a:rPr lang="de-DE" smtClean="0"/>
-              <a:t>‹N°›</a:t>
+              <a:t>‹#›</a:t>
             </a:fld>
             <a:endParaRPr lang="de-DE"/>
           </a:p>
@@ -2404,7 +2405,7 @@
           <p:cNvPr id="2" name="Titel 1">
             <a:extLst>
               <a:ext uri="{FF2B5EF4-FFF2-40B4-BE49-F238E27FC236}">
-                <a16:creationId xmlns:a16="http://schemas.microsoft.com/office/drawing/2014/main" xmlns="" id="{6B45D284-4E4F-4976-80EC-400821F99BCF}"/>
+                <a16:creationId xmlns:a16="http://schemas.microsoft.com/office/drawing/2014/main" id="{6B45D284-4E4F-4976-80EC-400821F99BCF}"/>
               </a:ext>
             </a:extLst>
           </p:cNvPr>
@@ -2432,7 +2433,7 @@
           <p:cNvPr id="3" name="Inhaltsplatzhalter 2">
             <a:extLst>
               <a:ext uri="{FF2B5EF4-FFF2-40B4-BE49-F238E27FC236}">
-                <a16:creationId xmlns:a16="http://schemas.microsoft.com/office/drawing/2014/main" xmlns="" id="{61C980E4-B51F-4860-A848-EB6955BA36AF}"/>
+                <a16:creationId xmlns:a16="http://schemas.microsoft.com/office/drawing/2014/main" id="{61C980E4-B51F-4860-A848-EB6955BA36AF}"/>
               </a:ext>
             </a:extLst>
           </p:cNvPr>
@@ -2494,7 +2495,7 @@
           <p:cNvPr id="4" name="Inhaltsplatzhalter 3">
             <a:extLst>
               <a:ext uri="{FF2B5EF4-FFF2-40B4-BE49-F238E27FC236}">
-                <a16:creationId xmlns:a16="http://schemas.microsoft.com/office/drawing/2014/main" xmlns="" id="{8D7C296F-6044-4CF6-BBE5-CEA4560EEEB9}"/>
+                <a16:creationId xmlns:a16="http://schemas.microsoft.com/office/drawing/2014/main" id="{8D7C296F-6044-4CF6-BBE5-CEA4560EEEB9}"/>
               </a:ext>
             </a:extLst>
           </p:cNvPr>
@@ -2556,7 +2557,7 @@
           <p:cNvPr id="5" name="Datumsplatzhalter 4">
             <a:extLst>
               <a:ext uri="{FF2B5EF4-FFF2-40B4-BE49-F238E27FC236}">
-                <a16:creationId xmlns:a16="http://schemas.microsoft.com/office/drawing/2014/main" xmlns="" id="{F87A09FB-245D-407E-94D1-C81BBB221DC2}"/>
+                <a16:creationId xmlns:a16="http://schemas.microsoft.com/office/drawing/2014/main" id="{F87A09FB-245D-407E-94D1-C81BBB221DC2}"/>
               </a:ext>
             </a:extLst>
           </p:cNvPr>
@@ -2585,7 +2586,7 @@
           <p:cNvPr id="6" name="Fußzeilenplatzhalter 5">
             <a:extLst>
               <a:ext uri="{FF2B5EF4-FFF2-40B4-BE49-F238E27FC236}">
-                <a16:creationId xmlns:a16="http://schemas.microsoft.com/office/drawing/2014/main" xmlns="" id="{7713AD3F-FB16-4761-97DD-7D2895FBAF79}"/>
+                <a16:creationId xmlns:a16="http://schemas.microsoft.com/office/drawing/2014/main" id="{7713AD3F-FB16-4761-97DD-7D2895FBAF79}"/>
               </a:ext>
             </a:extLst>
           </p:cNvPr>
@@ -2618,7 +2619,7 @@
           <p:cNvPr id="7" name="Foliennummernplatzhalter 6">
             <a:extLst>
               <a:ext uri="{FF2B5EF4-FFF2-40B4-BE49-F238E27FC236}">
-                <a16:creationId xmlns:a16="http://schemas.microsoft.com/office/drawing/2014/main" xmlns="" id="{E08B0646-8FC5-4829-A454-55B654DBA3C4}"/>
+                <a16:creationId xmlns:a16="http://schemas.microsoft.com/office/drawing/2014/main" id="{E08B0646-8FC5-4829-A454-55B654DBA3C4}"/>
               </a:ext>
             </a:extLst>
           </p:cNvPr>
@@ -2644,7 +2645,7 @@
           <a:p>
             <a:fld id="{9A48FC86-4651-46AF-9E4A-D3FC30E17613}" type="slidenum">
               <a:rPr lang="de-DE" smtClean="0"/>
-              <a:t>‹N°›</a:t>
+              <a:t>‹#›</a:t>
             </a:fld>
             <a:endParaRPr lang="de-DE"/>
           </a:p>
@@ -2685,7 +2686,7 @@
           <p:cNvPr id="2" name="Titel 1">
             <a:extLst>
               <a:ext uri="{FF2B5EF4-FFF2-40B4-BE49-F238E27FC236}">
-                <a16:creationId xmlns:a16="http://schemas.microsoft.com/office/drawing/2014/main" xmlns="" id="{87FFCFA6-D29A-4DD6-8A93-5742D6DB0521}"/>
+                <a16:creationId xmlns:a16="http://schemas.microsoft.com/office/drawing/2014/main" id="{87FFCFA6-D29A-4DD6-8A93-5742D6DB0521}"/>
               </a:ext>
             </a:extLst>
           </p:cNvPr>
@@ -2718,7 +2719,7 @@
           <p:cNvPr id="3" name="Textplatzhalter 2">
             <a:extLst>
               <a:ext uri="{FF2B5EF4-FFF2-40B4-BE49-F238E27FC236}">
-                <a16:creationId xmlns:a16="http://schemas.microsoft.com/office/drawing/2014/main" xmlns="" id="{52A062D5-F9A3-40F3-940E-784410DB79B5}"/>
+                <a16:creationId xmlns:a16="http://schemas.microsoft.com/office/drawing/2014/main" id="{52A062D5-F9A3-40F3-940E-784410DB79B5}"/>
               </a:ext>
             </a:extLst>
           </p:cNvPr>
@@ -2789,7 +2790,7 @@
           <p:cNvPr id="4" name="Inhaltsplatzhalter 3">
             <a:extLst>
               <a:ext uri="{FF2B5EF4-FFF2-40B4-BE49-F238E27FC236}">
-                <a16:creationId xmlns:a16="http://schemas.microsoft.com/office/drawing/2014/main" xmlns="" id="{0F2C725F-CDA6-419C-9990-237B92011EB3}"/>
+                <a16:creationId xmlns:a16="http://schemas.microsoft.com/office/drawing/2014/main" id="{0F2C725F-CDA6-419C-9990-237B92011EB3}"/>
               </a:ext>
             </a:extLst>
           </p:cNvPr>
@@ -2851,7 +2852,7 @@
           <p:cNvPr id="5" name="Textplatzhalter 4">
             <a:extLst>
               <a:ext uri="{FF2B5EF4-FFF2-40B4-BE49-F238E27FC236}">
-                <a16:creationId xmlns:a16="http://schemas.microsoft.com/office/drawing/2014/main" xmlns="" id="{57D0AB86-7ACC-4F81-BA1E-EABC81375E4C}"/>
+                <a16:creationId xmlns:a16="http://schemas.microsoft.com/office/drawing/2014/main" id="{57D0AB86-7ACC-4F81-BA1E-EABC81375E4C}"/>
               </a:ext>
             </a:extLst>
           </p:cNvPr>
@@ -2922,7 +2923,7 @@
           <p:cNvPr id="6" name="Inhaltsplatzhalter 5">
             <a:extLst>
               <a:ext uri="{FF2B5EF4-FFF2-40B4-BE49-F238E27FC236}">
-                <a16:creationId xmlns:a16="http://schemas.microsoft.com/office/drawing/2014/main" xmlns="" id="{1A5FCBEC-2F64-4023-881F-8C2D77F12391}"/>
+                <a16:creationId xmlns:a16="http://schemas.microsoft.com/office/drawing/2014/main" id="{1A5FCBEC-2F64-4023-881F-8C2D77F12391}"/>
               </a:ext>
             </a:extLst>
           </p:cNvPr>
@@ -2984,7 +2985,7 @@
           <p:cNvPr id="7" name="Datumsplatzhalter 6">
             <a:extLst>
               <a:ext uri="{FF2B5EF4-FFF2-40B4-BE49-F238E27FC236}">
-                <a16:creationId xmlns:a16="http://schemas.microsoft.com/office/drawing/2014/main" xmlns="" id="{1B579458-8146-4585-8116-8815B1984C10}"/>
+                <a16:creationId xmlns:a16="http://schemas.microsoft.com/office/drawing/2014/main" id="{1B579458-8146-4585-8116-8815B1984C10}"/>
               </a:ext>
             </a:extLst>
           </p:cNvPr>
@@ -3013,7 +3014,7 @@
           <p:cNvPr id="8" name="Fußzeilenplatzhalter 7">
             <a:extLst>
               <a:ext uri="{FF2B5EF4-FFF2-40B4-BE49-F238E27FC236}">
-                <a16:creationId xmlns:a16="http://schemas.microsoft.com/office/drawing/2014/main" xmlns="" id="{B8FE971A-3252-4BEE-AE2A-ED9DD64D786C}"/>
+                <a16:creationId xmlns:a16="http://schemas.microsoft.com/office/drawing/2014/main" id="{B8FE971A-3252-4BEE-AE2A-ED9DD64D786C}"/>
               </a:ext>
             </a:extLst>
           </p:cNvPr>
@@ -3046,7 +3047,7 @@
           <p:cNvPr id="9" name="Foliennummernplatzhalter 8">
             <a:extLst>
               <a:ext uri="{FF2B5EF4-FFF2-40B4-BE49-F238E27FC236}">
-                <a16:creationId xmlns:a16="http://schemas.microsoft.com/office/drawing/2014/main" xmlns="" id="{224F811E-098E-42CD-BF79-561DBDB14DE9}"/>
+                <a16:creationId xmlns:a16="http://schemas.microsoft.com/office/drawing/2014/main" id="{224F811E-098E-42CD-BF79-561DBDB14DE9}"/>
               </a:ext>
             </a:extLst>
           </p:cNvPr>
@@ -3072,7 +3073,7 @@
           <a:p>
             <a:fld id="{9A48FC86-4651-46AF-9E4A-D3FC30E17613}" type="slidenum">
               <a:rPr lang="de-DE" smtClean="0"/>
-              <a:t>‹N°›</a:t>
+              <a:t>‹#›</a:t>
             </a:fld>
             <a:endParaRPr lang="de-DE"/>
           </a:p>
@@ -3113,7 +3114,7 @@
           <p:cNvPr id="2" name="Titel 1">
             <a:extLst>
               <a:ext uri="{FF2B5EF4-FFF2-40B4-BE49-F238E27FC236}">
-                <a16:creationId xmlns:a16="http://schemas.microsoft.com/office/drawing/2014/main" xmlns="" id="{466DE76C-FB01-463F-B2AD-A897695D3F41}"/>
+                <a16:creationId xmlns:a16="http://schemas.microsoft.com/office/drawing/2014/main" id="{466DE76C-FB01-463F-B2AD-A897695D3F41}"/>
               </a:ext>
             </a:extLst>
           </p:cNvPr>
@@ -3141,7 +3142,7 @@
           <p:cNvPr id="3" name="Datumsplatzhalter 2">
             <a:extLst>
               <a:ext uri="{FF2B5EF4-FFF2-40B4-BE49-F238E27FC236}">
-                <a16:creationId xmlns:a16="http://schemas.microsoft.com/office/drawing/2014/main" xmlns="" id="{6F7936C0-FCFE-4A57-9E63-31F514892227}"/>
+                <a16:creationId xmlns:a16="http://schemas.microsoft.com/office/drawing/2014/main" id="{6F7936C0-FCFE-4A57-9E63-31F514892227}"/>
               </a:ext>
             </a:extLst>
           </p:cNvPr>
@@ -3170,7 +3171,7 @@
           <p:cNvPr id="4" name="Fußzeilenplatzhalter 3">
             <a:extLst>
               <a:ext uri="{FF2B5EF4-FFF2-40B4-BE49-F238E27FC236}">
-                <a16:creationId xmlns:a16="http://schemas.microsoft.com/office/drawing/2014/main" xmlns="" id="{BF4C0BEA-1F74-43B8-B16A-0B93A98AF74A}"/>
+                <a16:creationId xmlns:a16="http://schemas.microsoft.com/office/drawing/2014/main" id="{BF4C0BEA-1F74-43B8-B16A-0B93A98AF74A}"/>
               </a:ext>
             </a:extLst>
           </p:cNvPr>
@@ -3198,7 +3199,7 @@
           <p:cNvPr id="5" name="Foliennummernplatzhalter 4">
             <a:extLst>
               <a:ext uri="{FF2B5EF4-FFF2-40B4-BE49-F238E27FC236}">
-                <a16:creationId xmlns:a16="http://schemas.microsoft.com/office/drawing/2014/main" xmlns="" id="{FDC612F2-A418-4792-A4B4-C0ABBAAB10A0}"/>
+                <a16:creationId xmlns:a16="http://schemas.microsoft.com/office/drawing/2014/main" id="{FDC612F2-A418-4792-A4B4-C0ABBAAB10A0}"/>
               </a:ext>
             </a:extLst>
           </p:cNvPr>
@@ -3224,7 +3225,7 @@
           <a:p>
             <a:fld id="{9A48FC86-4651-46AF-9E4A-D3FC30E17613}" type="slidenum">
               <a:rPr lang="de-DE" smtClean="0"/>
-              <a:t>‹N°›</a:t>
+              <a:t>‹#›</a:t>
             </a:fld>
             <a:endParaRPr lang="de-DE"/>
           </a:p>
@@ -3265,7 +3266,7 @@
           <p:cNvPr id="2" name="Datumsplatzhalter 1">
             <a:extLst>
               <a:ext uri="{FF2B5EF4-FFF2-40B4-BE49-F238E27FC236}">
-                <a16:creationId xmlns:a16="http://schemas.microsoft.com/office/drawing/2014/main" xmlns="" id="{F1A16BA6-C843-4946-87C4-F009F9659E53}"/>
+                <a16:creationId xmlns:a16="http://schemas.microsoft.com/office/drawing/2014/main" id="{F1A16BA6-C843-4946-87C4-F009F9659E53}"/>
               </a:ext>
             </a:extLst>
           </p:cNvPr>
@@ -3294,7 +3295,7 @@
           <p:cNvPr id="3" name="Fußzeilenplatzhalter 2">
             <a:extLst>
               <a:ext uri="{FF2B5EF4-FFF2-40B4-BE49-F238E27FC236}">
-                <a16:creationId xmlns:a16="http://schemas.microsoft.com/office/drawing/2014/main" xmlns="" id="{74AD0BED-584B-4312-BC56-F22A5A97A8EA}"/>
+                <a16:creationId xmlns:a16="http://schemas.microsoft.com/office/drawing/2014/main" id="{74AD0BED-584B-4312-BC56-F22A5A97A8EA}"/>
               </a:ext>
             </a:extLst>
           </p:cNvPr>
@@ -3327,7 +3328,7 @@
           <p:cNvPr id="4" name="Foliennummernplatzhalter 3">
             <a:extLst>
               <a:ext uri="{FF2B5EF4-FFF2-40B4-BE49-F238E27FC236}">
-                <a16:creationId xmlns:a16="http://schemas.microsoft.com/office/drawing/2014/main" xmlns="" id="{ECAC19A7-F328-409E-92C0-6618959AF8AB}"/>
+                <a16:creationId xmlns:a16="http://schemas.microsoft.com/office/drawing/2014/main" id="{ECAC19A7-F328-409E-92C0-6618959AF8AB}"/>
               </a:ext>
             </a:extLst>
           </p:cNvPr>
@@ -3353,7 +3354,7 @@
           <a:p>
             <a:fld id="{9A48FC86-4651-46AF-9E4A-D3FC30E17613}" type="slidenum">
               <a:rPr lang="de-DE" smtClean="0"/>
-              <a:t>‹N°›</a:t>
+              <a:t>‹#›</a:t>
             </a:fld>
             <a:endParaRPr lang="de-DE"/>
           </a:p>
@@ -3394,7 +3395,7 @@
           <p:cNvPr id="2" name="Titel 1">
             <a:extLst>
               <a:ext uri="{FF2B5EF4-FFF2-40B4-BE49-F238E27FC236}">
-                <a16:creationId xmlns:a16="http://schemas.microsoft.com/office/drawing/2014/main" xmlns="" id="{36B5D893-6A5A-4F5D-9559-23E40882374B}"/>
+                <a16:creationId xmlns:a16="http://schemas.microsoft.com/office/drawing/2014/main" id="{36B5D893-6A5A-4F5D-9559-23E40882374B}"/>
               </a:ext>
             </a:extLst>
           </p:cNvPr>
@@ -3431,7 +3432,7 @@
           <p:cNvPr id="3" name="Inhaltsplatzhalter 2">
             <a:extLst>
               <a:ext uri="{FF2B5EF4-FFF2-40B4-BE49-F238E27FC236}">
-                <a16:creationId xmlns:a16="http://schemas.microsoft.com/office/drawing/2014/main" xmlns="" id="{46211E4B-EF89-4D03-A97A-6EB546C0498D}"/>
+                <a16:creationId xmlns:a16="http://schemas.microsoft.com/office/drawing/2014/main" id="{46211E4B-EF89-4D03-A97A-6EB546C0498D}"/>
               </a:ext>
             </a:extLst>
           </p:cNvPr>
@@ -3521,7 +3522,7 @@
           <p:cNvPr id="4" name="Textplatzhalter 3">
             <a:extLst>
               <a:ext uri="{FF2B5EF4-FFF2-40B4-BE49-F238E27FC236}">
-                <a16:creationId xmlns:a16="http://schemas.microsoft.com/office/drawing/2014/main" xmlns="" id="{D4BEF54F-E067-4073-A803-29399235D78F}"/>
+                <a16:creationId xmlns:a16="http://schemas.microsoft.com/office/drawing/2014/main" id="{D4BEF54F-E067-4073-A803-29399235D78F}"/>
               </a:ext>
             </a:extLst>
           </p:cNvPr>
@@ -3592,7 +3593,7 @@
           <p:cNvPr id="5" name="Datumsplatzhalter 4">
             <a:extLst>
               <a:ext uri="{FF2B5EF4-FFF2-40B4-BE49-F238E27FC236}">
-                <a16:creationId xmlns:a16="http://schemas.microsoft.com/office/drawing/2014/main" xmlns="" id="{FF25F891-DBFE-4A5B-99B6-66F48C54174B}"/>
+                <a16:creationId xmlns:a16="http://schemas.microsoft.com/office/drawing/2014/main" id="{FF25F891-DBFE-4A5B-99B6-66F48C54174B}"/>
               </a:ext>
             </a:extLst>
           </p:cNvPr>
@@ -3621,7 +3622,7 @@
           <p:cNvPr id="6" name="Fußzeilenplatzhalter 5">
             <a:extLst>
               <a:ext uri="{FF2B5EF4-FFF2-40B4-BE49-F238E27FC236}">
-                <a16:creationId xmlns:a16="http://schemas.microsoft.com/office/drawing/2014/main" xmlns="" id="{C508CE39-F26E-4C31-84CD-D89EC83686D4}"/>
+                <a16:creationId xmlns:a16="http://schemas.microsoft.com/office/drawing/2014/main" id="{C508CE39-F26E-4C31-84CD-D89EC83686D4}"/>
               </a:ext>
             </a:extLst>
           </p:cNvPr>
@@ -3654,7 +3655,7 @@
           <p:cNvPr id="7" name="Foliennummernplatzhalter 6">
             <a:extLst>
               <a:ext uri="{FF2B5EF4-FFF2-40B4-BE49-F238E27FC236}">
-                <a16:creationId xmlns:a16="http://schemas.microsoft.com/office/drawing/2014/main" xmlns="" id="{5E1B48FE-614D-4BF1-8C39-73558F055C10}"/>
+                <a16:creationId xmlns:a16="http://schemas.microsoft.com/office/drawing/2014/main" id="{5E1B48FE-614D-4BF1-8C39-73558F055C10}"/>
               </a:ext>
             </a:extLst>
           </p:cNvPr>
@@ -3680,7 +3681,7 @@
           <a:p>
             <a:fld id="{9A48FC86-4651-46AF-9E4A-D3FC30E17613}" type="slidenum">
               <a:rPr lang="de-DE" smtClean="0"/>
-              <a:t>‹N°›</a:t>
+              <a:t>‹#›</a:t>
             </a:fld>
             <a:endParaRPr lang="de-DE"/>
           </a:p>
@@ -3721,7 +3722,7 @@
           <p:cNvPr id="2" name="Titel 1">
             <a:extLst>
               <a:ext uri="{FF2B5EF4-FFF2-40B4-BE49-F238E27FC236}">
-                <a16:creationId xmlns:a16="http://schemas.microsoft.com/office/drawing/2014/main" xmlns="" id="{F9563009-E30B-45AC-BDD7-44EA72F78222}"/>
+                <a16:creationId xmlns:a16="http://schemas.microsoft.com/office/drawing/2014/main" id="{F9563009-E30B-45AC-BDD7-44EA72F78222}"/>
               </a:ext>
             </a:extLst>
           </p:cNvPr>
@@ -3758,7 +3759,7 @@
           <p:cNvPr id="3" name="Bildplatzhalter 2">
             <a:extLst>
               <a:ext uri="{FF2B5EF4-FFF2-40B4-BE49-F238E27FC236}">
-                <a16:creationId xmlns:a16="http://schemas.microsoft.com/office/drawing/2014/main" xmlns="" id="{11F2FF9F-8E72-4929-BF76-ED1330B5F674}"/>
+                <a16:creationId xmlns:a16="http://schemas.microsoft.com/office/drawing/2014/main" id="{11F2FF9F-8E72-4929-BF76-ED1330B5F674}"/>
               </a:ext>
             </a:extLst>
           </p:cNvPr>
@@ -3825,7 +3826,7 @@
           <p:cNvPr id="4" name="Textplatzhalter 3">
             <a:extLst>
               <a:ext uri="{FF2B5EF4-FFF2-40B4-BE49-F238E27FC236}">
-                <a16:creationId xmlns:a16="http://schemas.microsoft.com/office/drawing/2014/main" xmlns="" id="{4A21AA90-B6A3-4F03-A71E-8D4EFEBB4E8A}"/>
+                <a16:creationId xmlns:a16="http://schemas.microsoft.com/office/drawing/2014/main" id="{4A21AA90-B6A3-4F03-A71E-8D4EFEBB4E8A}"/>
               </a:ext>
             </a:extLst>
           </p:cNvPr>
@@ -3896,7 +3897,7 @@
           <p:cNvPr id="5" name="Datumsplatzhalter 4">
             <a:extLst>
               <a:ext uri="{FF2B5EF4-FFF2-40B4-BE49-F238E27FC236}">
-                <a16:creationId xmlns:a16="http://schemas.microsoft.com/office/drawing/2014/main" xmlns="" id="{B9A970BA-F10E-430D-9B5F-218F0B6AAD68}"/>
+                <a16:creationId xmlns:a16="http://schemas.microsoft.com/office/drawing/2014/main" id="{B9A970BA-F10E-430D-9B5F-218F0B6AAD68}"/>
               </a:ext>
             </a:extLst>
           </p:cNvPr>
@@ -3925,7 +3926,7 @@
           <p:cNvPr id="6" name="Fußzeilenplatzhalter 5">
             <a:extLst>
               <a:ext uri="{FF2B5EF4-FFF2-40B4-BE49-F238E27FC236}">
-                <a16:creationId xmlns:a16="http://schemas.microsoft.com/office/drawing/2014/main" xmlns="" id="{A141BF1C-61CE-44FF-8ABE-F08D6373AD97}"/>
+                <a16:creationId xmlns:a16="http://schemas.microsoft.com/office/drawing/2014/main" id="{A141BF1C-61CE-44FF-8ABE-F08D6373AD97}"/>
               </a:ext>
             </a:extLst>
           </p:cNvPr>
@@ -3958,7 +3959,7 @@
           <p:cNvPr id="7" name="Foliennummernplatzhalter 6">
             <a:extLst>
               <a:ext uri="{FF2B5EF4-FFF2-40B4-BE49-F238E27FC236}">
-                <a16:creationId xmlns:a16="http://schemas.microsoft.com/office/drawing/2014/main" xmlns="" id="{E76983E8-6FBA-42E6-85DE-B77806E23CA0}"/>
+                <a16:creationId xmlns:a16="http://schemas.microsoft.com/office/drawing/2014/main" id="{E76983E8-6FBA-42E6-85DE-B77806E23CA0}"/>
               </a:ext>
             </a:extLst>
           </p:cNvPr>
@@ -3984,7 +3985,7 @@
           <a:p>
             <a:fld id="{9A48FC86-4651-46AF-9E4A-D3FC30E17613}" type="slidenum">
               <a:rPr lang="de-DE" smtClean="0"/>
-              <a:t>‹N°›</a:t>
+              <a:t>‹#›</a:t>
             </a:fld>
             <a:endParaRPr lang="de-DE"/>
           </a:p>
@@ -4030,7 +4031,7 @@
           <p:cNvPr id="2" name="Titelplatzhalter 1">
             <a:extLst>
               <a:ext uri="{FF2B5EF4-FFF2-40B4-BE49-F238E27FC236}">
-                <a16:creationId xmlns:a16="http://schemas.microsoft.com/office/drawing/2014/main" xmlns="" id="{F1B54F3D-85D6-4E2A-A184-2AD8788616C7}"/>
+                <a16:creationId xmlns:a16="http://schemas.microsoft.com/office/drawing/2014/main" id="{F1B54F3D-85D6-4E2A-A184-2AD8788616C7}"/>
               </a:ext>
             </a:extLst>
           </p:cNvPr>
@@ -4068,7 +4069,7 @@
           <p:cNvPr id="3" name="Textplatzhalter 2">
             <a:extLst>
               <a:ext uri="{FF2B5EF4-FFF2-40B4-BE49-F238E27FC236}">
-                <a16:creationId xmlns:a16="http://schemas.microsoft.com/office/drawing/2014/main" xmlns="" id="{62C62B55-DAE8-4571-9836-D8A9517A6717}"/>
+                <a16:creationId xmlns:a16="http://schemas.microsoft.com/office/drawing/2014/main" id="{62C62B55-DAE8-4571-9836-D8A9517A6717}"/>
               </a:ext>
             </a:extLst>
           </p:cNvPr>
@@ -4135,7 +4136,7 @@
           <p:cNvPr id="4" name="Datumsplatzhalter 3">
             <a:extLst>
               <a:ext uri="{FF2B5EF4-FFF2-40B4-BE49-F238E27FC236}">
-                <a16:creationId xmlns:a16="http://schemas.microsoft.com/office/drawing/2014/main" xmlns="" id="{202396F9-D19B-4197-A727-060829339B6B}"/>
+                <a16:creationId xmlns:a16="http://schemas.microsoft.com/office/drawing/2014/main" id="{202396F9-D19B-4197-A727-060829339B6B}"/>
               </a:ext>
             </a:extLst>
           </p:cNvPr>
@@ -4182,7 +4183,7 @@
           <p:cNvPr id="5" name="Fußzeilenplatzhalter 4">
             <a:extLst>
               <a:ext uri="{FF2B5EF4-FFF2-40B4-BE49-F238E27FC236}">
-                <a16:creationId xmlns:a16="http://schemas.microsoft.com/office/drawing/2014/main" xmlns="" id="{B1EA6A1B-5C13-45F1-9B85-4169FD91138A}"/>
+                <a16:creationId xmlns:a16="http://schemas.microsoft.com/office/drawing/2014/main" id="{B1EA6A1B-5C13-45F1-9B85-4169FD91138A}"/>
               </a:ext>
             </a:extLst>
           </p:cNvPr>
@@ -4233,7 +4234,7 @@
           <p:cNvPr id="7" name="Grafik 6">
             <a:extLst>
               <a:ext uri="{FF2B5EF4-FFF2-40B4-BE49-F238E27FC236}">
-                <a16:creationId xmlns:a16="http://schemas.microsoft.com/office/drawing/2014/main" xmlns="" id="{C59B35B2-0CE6-4FF9-984D-F5719598069C}"/>
+                <a16:creationId xmlns:a16="http://schemas.microsoft.com/office/drawing/2014/main" id="{C59B35B2-0CE6-4FF9-984D-F5719598069C}"/>
               </a:ext>
             </a:extLst>
           </p:cNvPr>
@@ -4269,7 +4270,7 @@
           <p:cNvPr id="8" name="Foliennummernplatzhalter 7">
             <a:extLst>
               <a:ext uri="{FF2B5EF4-FFF2-40B4-BE49-F238E27FC236}">
-                <a16:creationId xmlns:a16="http://schemas.microsoft.com/office/drawing/2014/main" xmlns="" id="{8B9E18AC-CAF1-4471-BF04-547435D80DDB}"/>
+                <a16:creationId xmlns:a16="http://schemas.microsoft.com/office/drawing/2014/main" id="{8B9E18AC-CAF1-4471-BF04-547435D80DDB}"/>
               </a:ext>
             </a:extLst>
           </p:cNvPr>
@@ -4305,7 +4306,7 @@
           <a:p>
             <a:fld id="{5999A4A4-2D96-49E3-B364-04D265390CD4}" type="slidenum">
               <a:rPr lang="de-DE" smtClean="0"/>
-              <a:t>‹N°›</a:t>
+              <a:t>‹#›</a:t>
             </a:fld>
             <a:endParaRPr lang="de-DE"/>
           </a:p>
@@ -4638,7 +4639,7 @@
           <p:cNvPr id="2" name="Titel 1">
             <a:extLst>
               <a:ext uri="{FF2B5EF4-FFF2-40B4-BE49-F238E27FC236}">
-                <a16:creationId xmlns:a16="http://schemas.microsoft.com/office/drawing/2014/main" xmlns="" id="{19B6AC69-F81D-4459-ACD2-8110FA9FCE24}"/>
+                <a16:creationId xmlns:a16="http://schemas.microsoft.com/office/drawing/2014/main" id="{19B6AC69-F81D-4459-ACD2-8110FA9FCE24}"/>
               </a:ext>
             </a:extLst>
           </p:cNvPr>
@@ -4666,7 +4667,7 @@
           <p:cNvPr id="3" name="Untertitel 2">
             <a:extLst>
               <a:ext uri="{FF2B5EF4-FFF2-40B4-BE49-F238E27FC236}">
-                <a16:creationId xmlns:a16="http://schemas.microsoft.com/office/drawing/2014/main" xmlns="" id="{13737FBA-E6BC-4517-8A74-4336C01F7072}"/>
+                <a16:creationId xmlns:a16="http://schemas.microsoft.com/office/drawing/2014/main" id="{13737FBA-E6BC-4517-8A74-4336C01F7072}"/>
               </a:ext>
             </a:extLst>
           </p:cNvPr>
@@ -4725,10 +4726,10 @@
               <a:t> </a:t>
             </a:r>
             <a:r>
-              <a:rPr lang="de-DE" dirty="0" err="1" smtClean="0"/>
+              <a:rPr lang="de-DE" dirty="0" err="1"/>
               <a:t>games</a:t>
             </a:r>
-            <a:endParaRPr lang="de-DE" dirty="0" smtClean="0"/>
+            <a:endParaRPr lang="de-DE" dirty="0"/>
           </a:p>
           <a:p>
             <a:endParaRPr lang="de-DE" dirty="0"/>
@@ -4745,13 +4746,6 @@
   <p:clrMapOvr>
     <a:masterClrMapping/>
   </p:clrMapOvr>
-  <p:timing>
-    <p:tnLst>
-      <p:par>
-        <p:cTn id="1" dur="indefinite" restart="never" nodeType="tmRoot"/>
-      </p:par>
-    </p:tnLst>
-  </p:timing>
 </p:sld>
 </file>
 
@@ -4789,13 +4783,8 @@
           <a:p>
             <a:r>
               <a:rPr lang="en-US" dirty="0"/>
-              <a:t>Result </a:t>
-            </a:r>
-            <a:r>
-              <a:rPr lang="en-US" dirty="0" smtClean="0"/>
-              <a:t>Prediction</a:t>
-            </a:r>
-            <a:endParaRPr lang="en-US" dirty="0"/>
+              <a:t>API changes</a:t>
+            </a:r>
           </a:p>
         </p:txBody>
       </p:sp>
@@ -4811,74 +4800,181 @@
         </p:nvSpPr>
         <p:spPr/>
         <p:txBody>
-          <a:bodyPr/>
-          <a:lstStyle/>
-          <a:p>
-            <a:r>
-              <a:rPr lang="en-US" dirty="0" smtClean="0"/>
-              <a:t>1. Change </a:t>
-            </a:r>
+          <a:bodyPr>
+            <a:normAutofit fontScale="77500" lnSpcReduction="20000"/>
+          </a:bodyPr>
+          <a:lstStyle/>
+          <a:p>
+            <a:r>
+              <a:rPr lang="en-US" dirty="0"/>
+              <a:t>1. Split GET /</a:t>
+            </a:r>
+            <a:r>
+              <a:rPr lang="en-US" dirty="0" err="1"/>
+              <a:t>soccerGames</a:t>
+            </a:r>
+            <a:r>
+              <a:rPr lang="en-US" dirty="0"/>
+              <a:t> to</a:t>
+            </a:r>
+          </a:p>
+          <a:p>
+            <a:pPr lvl="2"/>
             <a:r>
               <a:rPr lang="en-US" dirty="0"/>
               <a:t>GET /</a:t>
             </a:r>
             <a:r>
-              <a:rPr lang="en-US" dirty="0" err="1" smtClean="0"/>
-              <a:t>soccerGames</a:t>
-            </a:r>
-            <a:r>
-              <a:rPr lang="en-US" dirty="0" smtClean="0"/>
-              <a:t> to /</a:t>
-            </a:r>
-            <a:r>
-              <a:rPr lang="en-US" dirty="0" err="1" smtClean="0"/>
-              <a:t>soccerGamesResults</a:t>
-            </a:r>
-            <a:r>
-              <a:rPr lang="en-US" dirty="0" smtClean="0"/>
-              <a:t> </a:t>
-            </a:r>
-          </a:p>
-          <a:p>
-            <a:r>
-              <a:rPr lang="en-US" dirty="0" smtClean="0"/>
-              <a:t>2. Change </a:t>
-            </a:r>
-            <a:r>
-              <a:rPr lang="en-US" dirty="0" err="1" smtClean="0"/>
+              <a:rPr lang="en-US" dirty="0" err="1"/>
+              <a:t>soccerMatchesClassification</a:t>
+            </a:r>
+            <a:r>
+              <a:rPr lang="en-US" dirty="0"/>
+              <a:t> and</a:t>
+            </a:r>
+          </a:p>
+          <a:p>
+            <a:pPr lvl="2"/>
+            <a:r>
+              <a:rPr lang="en-US" dirty="0"/>
+              <a:t>GET /</a:t>
+            </a:r>
+            <a:r>
+              <a:rPr lang="en-US" dirty="0" err="1"/>
+              <a:t>soccerMatchesRegression</a:t>
+            </a:r>
+            <a:endParaRPr lang="en-US" dirty="0"/>
+          </a:p>
+          <a:p>
+            <a:pPr lvl="1"/>
+            <a:r>
+              <a:rPr lang="en-US" dirty="0"/>
+              <a:t>Each will get its own page in the frontend</a:t>
+            </a:r>
+          </a:p>
+          <a:p>
+            <a:r>
+              <a:rPr lang="en-US" dirty="0"/>
+              <a:t>2. Split </a:t>
+            </a:r>
+            <a:r>
+              <a:rPr lang="en-US" dirty="0" err="1"/>
               <a:t>finalResult</a:t>
             </a:r>
             <a:r>
-              <a:rPr lang="en-US" dirty="0" smtClean="0"/>
-              <a:t> to </a:t>
-            </a:r>
-            <a:r>
-              <a:rPr lang="en-US" dirty="0" err="1" smtClean="0"/>
-              <a:t>predictedFinalResult</a:t>
-            </a:r>
-            <a:r>
-              <a:rPr lang="en-US" dirty="0" smtClean="0"/>
-              <a:t> in the </a:t>
-            </a:r>
-            <a:r>
-              <a:rPr lang="en-US" dirty="0" err="1" smtClean="0"/>
-              <a:t>json</a:t>
-            </a:r>
-            <a:r>
-              <a:rPr lang="en-US" dirty="0" smtClean="0"/>
-              <a:t> file</a:t>
-            </a:r>
-          </a:p>
-          <a:p>
-            <a:r>
-              <a:rPr lang="en-US" dirty="0" smtClean="0"/>
-              <a:t>3 Add in the JSON file </a:t>
-            </a:r>
-            <a:r>
-              <a:rPr lang="en-US" dirty="0" err="1" smtClean="0"/>
-              <a:t>originalFinalResult</a:t>
-            </a:r>
-            <a:endParaRPr lang="en-US" dirty="0" smtClean="0"/>
+              <a:rPr lang="en-US" dirty="0"/>
+              <a:t> in JSON to </a:t>
+            </a:r>
+          </a:p>
+          <a:p>
+            <a:pPr lvl="2"/>
+            <a:r>
+              <a:rPr lang="en-US" dirty="0" err="1"/>
+              <a:t>predictedResult</a:t>
+            </a:r>
+            <a:r>
+              <a:rPr lang="en-US" dirty="0"/>
+              <a:t>&lt;string&gt; and</a:t>
+            </a:r>
+          </a:p>
+          <a:p>
+            <a:pPr lvl="2"/>
+            <a:r>
+              <a:rPr lang="en-US" dirty="0" err="1"/>
+              <a:t>actualResult</a:t>
+            </a:r>
+            <a:r>
+              <a:rPr lang="en-US" dirty="0"/>
+              <a:t>&lt;string&gt;</a:t>
+            </a:r>
+          </a:p>
+          <a:p>
+            <a:pPr lvl="1"/>
+            <a:r>
+              <a:rPr lang="en-US" dirty="0"/>
+              <a:t>Depending on which /</a:t>
+            </a:r>
+            <a:r>
+              <a:rPr lang="en-US" dirty="0" err="1"/>
+              <a:t>soccerMatches</a:t>
+            </a:r>
+            <a:r>
+              <a:rPr lang="en-US" dirty="0"/>
+              <a:t>[…] will be called, </a:t>
+            </a:r>
+            <a:r>
+              <a:rPr lang="en-US" dirty="0" err="1"/>
+              <a:t>predictedResult</a:t>
+            </a:r>
+            <a:r>
+              <a:rPr lang="en-US" dirty="0"/>
+              <a:t> will change accordingly</a:t>
+            </a:r>
+          </a:p>
+          <a:p>
+            <a:r>
+              <a:rPr lang="en-US" dirty="0"/>
+              <a:t>3. Add GET /</a:t>
+            </a:r>
+            <a:r>
+              <a:rPr lang="en-US" dirty="0" err="1"/>
+              <a:t>retrainClassification</a:t>
+            </a:r>
+            <a:r>
+              <a:rPr lang="en-US" dirty="0"/>
+              <a:t> and GET /</a:t>
+            </a:r>
+            <a:r>
+              <a:rPr lang="en-US" dirty="0" err="1"/>
+              <a:t>retrainRegression</a:t>
+            </a:r>
+            <a:endParaRPr lang="en-US" dirty="0"/>
+          </a:p>
+          <a:p>
+            <a:pPr lvl="1"/>
+            <a:r>
+              <a:rPr lang="en-US" dirty="0"/>
+              <a:t>Requires new Buttons “Retrain” on each corresponding page in frontend</a:t>
+            </a:r>
+          </a:p>
+          <a:p>
+            <a:pPr lvl="1"/>
+            <a:r>
+              <a:rPr lang="en-US" dirty="0"/>
+              <a:t>OR we just add one button “Retrain” that activates both?</a:t>
+            </a:r>
+          </a:p>
+          <a:p>
+            <a:pPr lvl="1"/>
+            <a:r>
+              <a:rPr lang="en-US" dirty="0"/>
+              <a:t>Either way, the button needs to “wait” until backend sends “ok”</a:t>
+            </a:r>
+          </a:p>
+          <a:p>
+            <a:r>
+              <a:rPr lang="en-US" dirty="0"/>
+              <a:t>4. Add GET /</a:t>
+            </a:r>
+            <a:r>
+              <a:rPr lang="en-US" dirty="0" err="1"/>
+              <a:t>fetchNewMatches</a:t>
+            </a:r>
+            <a:endParaRPr lang="en-US" dirty="0"/>
+          </a:p>
+          <a:p>
+            <a:pPr lvl="1"/>
+            <a:r>
+              <a:rPr lang="en-US" dirty="0"/>
+              <a:t>Requires new Button “Fetch new matches” in frontend, that waits until backend sends “ok”</a:t>
+            </a:r>
+          </a:p>
+          <a:p>
+            <a:pPr lvl="1"/>
+            <a:r>
+              <a:rPr lang="en-US" dirty="0"/>
+              <a:t>Automatically predicts games prior to adding to database</a:t>
+            </a:r>
           </a:p>
         </p:txBody>
       </p:sp>
@@ -4921,7 +5017,7 @@
           <a:lstStyle/>
           <a:p>
             <a:r>
-              <a:rPr lang="de-DE" smtClean="0"/>
+              <a:rPr lang="de-DE"/>
               <a:t>Lisa Boos, Khaled Jallouli</a:t>
             </a:r>
             <a:endParaRPr lang="de-DE" dirty="0"/>
@@ -4983,7 +5079,13 @@
       </p:grpSpPr>
       <p:sp>
         <p:nvSpPr>
-          <p:cNvPr id="2" name="Titre 1"/>
+          <p:cNvPr id="2" name="Title 1">
+            <a:extLst>
+              <a:ext uri="{FF2B5EF4-FFF2-40B4-BE49-F238E27FC236}">
+                <a16:creationId xmlns:a16="http://schemas.microsoft.com/office/drawing/2014/main" id="{A66CA57D-8460-4ACA-8113-A922EC6BB79D}"/>
+              </a:ext>
+            </a:extLst>
+          </p:cNvPr>
           <p:cNvSpPr>
             <a:spLocks noGrp="1"/>
           </p:cNvSpPr>
@@ -4997,152 +5099,183 @@
           <a:lstStyle/>
           <a:p>
             <a:r>
-              <a:rPr lang="en-US" dirty="0" smtClean="0"/>
-              <a:t>Goals Prediction</a:t>
+              <a:rPr lang="en-US" dirty="0"/>
+              <a:t>Possible API calls</a:t>
+            </a:r>
+            <a:endParaRPr lang="en-DE" dirty="0"/>
+          </a:p>
+        </p:txBody>
+      </p:sp>
+      <p:sp>
+        <p:nvSpPr>
+          <p:cNvPr id="3" name="Content Placeholder 2">
+            <a:extLst>
+              <a:ext uri="{FF2B5EF4-FFF2-40B4-BE49-F238E27FC236}">
+                <a16:creationId xmlns:a16="http://schemas.microsoft.com/office/drawing/2014/main" id="{9D604807-25A0-4B31-A9B6-A4A80E1A84AD}"/>
+              </a:ext>
+            </a:extLst>
+          </p:cNvPr>
+          <p:cNvSpPr>
+            <a:spLocks noGrp="1"/>
+          </p:cNvSpPr>
+          <p:nvPr>
+            <p:ph idx="1"/>
+          </p:nvPr>
+        </p:nvSpPr>
+        <p:spPr/>
+        <p:txBody>
+          <a:bodyPr>
+            <a:normAutofit fontScale="92500" lnSpcReduction="20000"/>
+          </a:bodyPr>
+          <a:lstStyle/>
+          <a:p>
+            <a:r>
+              <a:rPr lang="en-US" dirty="0"/>
+              <a:t>GET /</a:t>
+            </a:r>
+            <a:r>
+              <a:rPr lang="en-US" dirty="0" err="1"/>
+              <a:t>soccerGamesClassification</a:t>
             </a:r>
             <a:endParaRPr lang="en-US" dirty="0"/>
           </a:p>
-        </p:txBody>
-      </p:sp>
-      <p:sp>
-        <p:nvSpPr>
-          <p:cNvPr id="3" name="Espace réservé du contenu 2"/>
-          <p:cNvSpPr>
-            <a:spLocks noGrp="1"/>
-          </p:cNvSpPr>
-          <p:nvPr>
-            <p:ph idx="1"/>
-          </p:nvPr>
-        </p:nvSpPr>
-        <p:spPr/>
-        <p:txBody>
-          <a:bodyPr/>
-          <a:lstStyle/>
-          <a:p>
-            <a:r>
-              <a:rPr lang="en-US" dirty="0" smtClean="0"/>
-              <a:t>1. Create GET </a:t>
-            </a:r>
+          <a:p>
+            <a:pPr lvl="1"/>
             <a:r>
               <a:rPr lang="en-US" dirty="0"/>
-              <a:t>/</a:t>
-            </a:r>
-            <a:r>
-              <a:rPr lang="en-US" dirty="0" err="1" smtClean="0"/>
-              <a:t>soccerGamesGoals</a:t>
-            </a:r>
-            <a:endParaRPr lang="en-US" dirty="0" smtClean="0"/>
-          </a:p>
-          <a:p>
-            <a:r>
-              <a:rPr lang="en-US" dirty="0" smtClean="0"/>
-              <a:t>2. Create the JSON file contains: </a:t>
-            </a:r>
+              <a:t>Returns </a:t>
+            </a:r>
+            <a:r>
+              <a:rPr lang="en-US" dirty="0" err="1"/>
+              <a:t>Matchlist</a:t>
+            </a:r>
+            <a:r>
+              <a:rPr lang="en-US" dirty="0"/>
+              <a:t> as stated on next slide</a:t>
+            </a:r>
+          </a:p>
+          <a:p>
+            <a:r>
+              <a:rPr lang="en-US" dirty="0"/>
+              <a:t>GET /</a:t>
+            </a:r>
+            <a:r>
+              <a:rPr lang="en-US" dirty="0" err="1"/>
+              <a:t>soccerGamesRegression</a:t>
+            </a:r>
+            <a:endParaRPr lang="en-US" dirty="0"/>
           </a:p>
           <a:p>
             <a:pPr lvl="1"/>
             <a:r>
-              <a:rPr lang="en-US" u="sng" dirty="0" err="1" smtClean="0"/>
-              <a:t>dateMatch</a:t>
-            </a:r>
-            <a:r>
-              <a:rPr lang="en-US" u="sng" dirty="0"/>
-              <a:t>, </a:t>
-            </a:r>
-            <a:r>
-              <a:rPr lang="en-US" u="sng" dirty="0" err="1" smtClean="0"/>
-              <a:t>homeTeam</a:t>
-            </a:r>
-            <a:r>
-              <a:rPr lang="en-US" u="sng" dirty="0"/>
-              <a:t>, </a:t>
-            </a:r>
-            <a:r>
-              <a:rPr lang="en-US" u="sng" dirty="0" err="1"/>
-              <a:t>awayTeam</a:t>
-            </a:r>
-            <a:endParaRPr lang="en-US" u="sng" dirty="0" smtClean="0"/>
+              <a:rPr lang="en-US" dirty="0"/>
+              <a:t>Returns </a:t>
+            </a:r>
+            <a:r>
+              <a:rPr lang="en-US" dirty="0" err="1"/>
+              <a:t>Matchlist</a:t>
+            </a:r>
+            <a:r>
+              <a:rPr lang="en-US" dirty="0"/>
+              <a:t> as stated on next slide</a:t>
+            </a:r>
+          </a:p>
+          <a:p>
+            <a:r>
+              <a:rPr lang="en-US" dirty="0"/>
+              <a:t>GET /</a:t>
+            </a:r>
+            <a:r>
+              <a:rPr lang="en-US" dirty="0" err="1"/>
+              <a:t>retrainClassification</a:t>
+            </a:r>
+            <a:endParaRPr lang="en-US" dirty="0"/>
           </a:p>
           <a:p>
             <a:pPr lvl="1"/>
             <a:r>
-              <a:rPr lang="en-US" u="sng" dirty="0" err="1" smtClean="0"/>
-              <a:t>predictedFinalGoals</a:t>
-            </a:r>
-            <a:r>
-              <a:rPr lang="en-US" dirty="0" smtClean="0"/>
-              <a:t> in the format (</a:t>
-            </a:r>
-            <a:r>
-              <a:rPr lang="en-US" dirty="0" err="1" smtClean="0"/>
-              <a:t>homegoals</a:t>
-            </a:r>
-            <a:r>
-              <a:rPr lang="en-US" dirty="0" smtClean="0"/>
-              <a:t> – </a:t>
-            </a:r>
-            <a:r>
-              <a:rPr lang="en-US" dirty="0" err="1" smtClean="0"/>
-              <a:t>awaygoals</a:t>
-            </a:r>
-            <a:r>
-              <a:rPr lang="en-US" dirty="0" smtClean="0"/>
-              <a:t>) (same string)</a:t>
+              <a:rPr lang="en-US" dirty="0"/>
+              <a:t>Returns “ok”</a:t>
             </a:r>
           </a:p>
           <a:p>
             <a:pPr lvl="1"/>
             <a:r>
-              <a:rPr lang="en-US" u="sng" dirty="0" err="1" smtClean="0"/>
-              <a:t>originalFinalGoals</a:t>
-            </a:r>
-            <a:endParaRPr lang="en-US" u="sng" dirty="0" smtClean="0"/>
+              <a:rPr lang="en-US" dirty="0"/>
+              <a:t>(maybe refresh page and update from /</a:t>
+            </a:r>
+            <a:r>
+              <a:rPr lang="en-US" dirty="0" err="1"/>
+              <a:t>soccerGamesClassification</a:t>
+            </a:r>
+            <a:r>
+              <a:rPr lang="en-US" dirty="0"/>
+              <a:t>)</a:t>
+            </a:r>
+          </a:p>
+          <a:p>
+            <a:r>
+              <a:rPr lang="en-US" dirty="0"/>
+              <a:t>GET /</a:t>
+            </a:r>
+            <a:r>
+              <a:rPr lang="en-US" dirty="0" err="1"/>
+              <a:t>retrainRegression</a:t>
+            </a:r>
+            <a:endParaRPr lang="en-US" dirty="0"/>
           </a:p>
           <a:p>
             <a:pPr lvl="1"/>
-            <a:endParaRPr lang="en-US" u="sng" dirty="0"/>
-          </a:p>
-          <a:p>
-            <a:pPr marL="457200" lvl="1" indent="0">
-              <a:buNone/>
-            </a:pPr>
             <a:r>
               <a:rPr lang="en-US" dirty="0"/>
-              <a:t>Note: I assume that you will keep having the attributes in </a:t>
+              <a:t>Returns “ok”</a:t>
+            </a:r>
+          </a:p>
+          <a:p>
+            <a:pPr lvl="1"/>
+            <a:r>
+              <a:rPr lang="en-US" dirty="0"/>
+              <a:t>(maybe refresh page and update from /</a:t>
             </a:r>
             <a:r>
               <a:rPr lang="en-US" dirty="0" err="1"/>
-              <a:t>SoccerGames</a:t>
+              <a:t>soccerGamesRegression</a:t>
             </a:r>
             <a:r>
               <a:rPr lang="en-US" dirty="0"/>
-              <a:t> as in the </a:t>
+              <a:t>)</a:t>
+            </a:r>
+          </a:p>
+          <a:p>
+            <a:r>
+              <a:rPr lang="en-US" dirty="0"/>
+              <a:t>GET /</a:t>
             </a:r>
             <a:r>
               <a:rPr lang="en-US" dirty="0" err="1"/>
-              <a:t>privous</a:t>
-            </a:r>
+              <a:t>fetchNewMatches</a:t>
+            </a:r>
+            <a:endParaRPr lang="en-US" dirty="0"/>
+          </a:p>
+          <a:p>
+            <a:pPr lvl="1"/>
             <a:r>
               <a:rPr lang="en-US" dirty="0"/>
-              <a:t> JSON file. Please let me know if you </a:t>
-            </a:r>
-            <a:r>
-              <a:rPr lang="en-US" dirty="0" smtClean="0"/>
-              <a:t>want to change that.</a:t>
-            </a:r>
-            <a:endParaRPr lang="en-US" dirty="0"/>
-          </a:p>
-          <a:p>
-            <a:pPr marL="457200" lvl="1" indent="0">
-              <a:buNone/>
-            </a:pPr>
-            <a:endParaRPr lang="en-US" u="sng" dirty="0" smtClean="0"/>
-          </a:p>
-        </p:txBody>
-      </p:sp>
-      <p:sp>
-        <p:nvSpPr>
-          <p:cNvPr id="4" name="Espace réservé de la date 3"/>
+              <a:t>Returns “ok”</a:t>
+            </a:r>
+            <a:endParaRPr lang="en-DE" dirty="0"/>
+          </a:p>
+        </p:txBody>
+      </p:sp>
+      <p:sp>
+        <p:nvSpPr>
+          <p:cNvPr id="4" name="Date Placeholder 3">
+            <a:extLst>
+              <a:ext uri="{FF2B5EF4-FFF2-40B4-BE49-F238E27FC236}">
+                <a16:creationId xmlns:a16="http://schemas.microsoft.com/office/drawing/2014/main" id="{F97EA3BD-5CA7-4766-8D92-55E79A1F1D3B}"/>
+              </a:ext>
+            </a:extLst>
+          </p:cNvPr>
           <p:cNvSpPr>
             <a:spLocks noGrp="1"/>
           </p:cNvSpPr>
@@ -5165,7 +5298,13 @@
       </p:sp>
       <p:sp>
         <p:nvSpPr>
-          <p:cNvPr id="5" name="Espace réservé du pied de page 4"/>
+          <p:cNvPr id="5" name="Footer Placeholder 4">
+            <a:extLst>
+              <a:ext uri="{FF2B5EF4-FFF2-40B4-BE49-F238E27FC236}">
+                <a16:creationId xmlns:a16="http://schemas.microsoft.com/office/drawing/2014/main" id="{4DEF62D8-EB2A-469C-8B8C-0769CDA49245}"/>
+              </a:ext>
+            </a:extLst>
+          </p:cNvPr>
           <p:cNvSpPr>
             <a:spLocks noGrp="1"/>
           </p:cNvSpPr>
@@ -5179,7 +5318,7 @@
           <a:lstStyle/>
           <a:p>
             <a:r>
-              <a:rPr lang="de-DE" smtClean="0"/>
+              <a:rPr lang="de-DE"/>
               <a:t>Lisa Boos, Khaled Jallouli</a:t>
             </a:r>
             <a:endParaRPr lang="de-DE" dirty="0"/>
@@ -5188,7 +5327,13 @@
       </p:sp>
       <p:sp>
         <p:nvSpPr>
-          <p:cNvPr id="6" name="Espace réservé du numéro de diapositive 5"/>
+          <p:cNvPr id="6" name="Slide Number Placeholder 5">
+            <a:extLst>
+              <a:ext uri="{FF2B5EF4-FFF2-40B4-BE49-F238E27FC236}">
+                <a16:creationId xmlns:a16="http://schemas.microsoft.com/office/drawing/2014/main" id="{EF816EC4-1BE8-40F4-B679-A4F117C0F6F1}"/>
+              </a:ext>
+            </a:extLst>
+          </p:cNvPr>
           <p:cNvSpPr>
             <a:spLocks noGrp="1"/>
           </p:cNvSpPr>
@@ -5212,7 +5357,7 @@
     </p:spTree>
     <p:extLst>
       <p:ext uri="{BB962C8B-B14F-4D97-AF65-F5344CB8AC3E}">
-        <p14:creationId xmlns:p14="http://schemas.microsoft.com/office/powerpoint/2010/main" val="2231013713"/>
+        <p14:creationId xmlns:p14="http://schemas.microsoft.com/office/powerpoint/2010/main" val="928233910"/>
       </p:ext>
     </p:extLst>
   </p:cSld>
@@ -5255,10 +5400,17 @@
           <a:lstStyle/>
           <a:p>
             <a:r>
-              <a:rPr lang="en-US" dirty="0" smtClean="0"/>
-              <a:t>Old Version as a reminder</a:t>
-            </a:r>
-            <a:endParaRPr lang="en-US" dirty="0"/>
+              <a:rPr lang="en-US" dirty="0"/>
+              <a:t>GET /</a:t>
+            </a:r>
+            <a:r>
+              <a:rPr lang="en-US" dirty="0" err="1"/>
+              <a:t>soccerMatches</a:t>
+            </a:r>
+            <a:r>
+              <a:rPr lang="en-US" dirty="0"/>
+              <a:t>[…] JSON</a:t>
+            </a:r>
           </a:p>
         </p:txBody>
       </p:sp>
@@ -5274,36 +5426,126 @@
         </p:nvSpPr>
         <p:spPr/>
         <p:txBody>
-          <a:bodyPr/>
+          <a:bodyPr>
+            <a:normAutofit/>
+          </a:bodyPr>
           <a:lstStyle/>
           <a:p>
             <a:r>
               <a:rPr lang="en-US" dirty="0"/>
-              <a:t>GET </a:t>
-            </a:r>
-            <a:r>
-              <a:rPr lang="en-US" dirty="0" smtClean="0"/>
-              <a:t>the list </a:t>
-            </a:r>
+              <a:t>{</a:t>
+            </a:r>
+          </a:p>
+          <a:p>
+            <a:pPr lvl="1"/>
             <a:r>
               <a:rPr lang="en-US" dirty="0"/>
-              <a:t>of predicted soccer games: GET /</a:t>
-            </a:r>
-            <a:r>
-              <a:rPr lang="en-US" dirty="0" err="1" smtClean="0"/>
-              <a:t>soccerGamesResults</a:t>
-            </a:r>
-            <a:r>
-              <a:rPr lang="en-US" dirty="0" smtClean="0"/>
-              <a:t> </a:t>
+              <a:t>“</a:t>
+            </a:r>
+            <a:r>
+              <a:rPr lang="en-US" dirty="0" err="1"/>
+              <a:t>SoccerMatches</a:t>
             </a:r>
             <a:r>
               <a:rPr lang="en-US" dirty="0"/>
-              <a:t>in a JSON format.</a:t>
-            </a:r>
-          </a:p>
-          <a:p>
-            <a:endParaRPr lang="en-US" dirty="0"/>
+              <a:t>”: [</a:t>
+            </a:r>
+          </a:p>
+          <a:p>
+            <a:pPr lvl="2"/>
+            <a:r>
+              <a:rPr lang="en-US" dirty="0"/>
+              <a:t>“date”: &lt;string&gt;</a:t>
+            </a:r>
+          </a:p>
+          <a:p>
+            <a:pPr lvl="2"/>
+            <a:r>
+              <a:rPr lang="en-US" dirty="0"/>
+              <a:t>“</a:t>
+            </a:r>
+            <a:r>
+              <a:rPr lang="en-US" dirty="0" err="1"/>
+              <a:t>homeTeam</a:t>
+            </a:r>
+            <a:r>
+              <a:rPr lang="en-US" dirty="0"/>
+              <a:t>”: &lt;string&gt;</a:t>
+            </a:r>
+          </a:p>
+          <a:p>
+            <a:pPr lvl="2"/>
+            <a:r>
+              <a:rPr lang="en-US" dirty="0"/>
+              <a:t>“</a:t>
+            </a:r>
+            <a:r>
+              <a:rPr lang="en-US" dirty="0" err="1"/>
+              <a:t>awayTeam</a:t>
+            </a:r>
+            <a:r>
+              <a:rPr lang="en-US" dirty="0"/>
+              <a:t>”: &lt;string&gt;</a:t>
+            </a:r>
+          </a:p>
+          <a:p>
+            <a:pPr lvl="2"/>
+            <a:r>
+              <a:rPr lang="en-US" dirty="0"/>
+              <a:t>“</a:t>
+            </a:r>
+            <a:r>
+              <a:rPr lang="en-US" dirty="0" err="1"/>
+              <a:t>predictedResult</a:t>
+            </a:r>
+            <a:r>
+              <a:rPr lang="en-US" dirty="0"/>
+              <a:t>”: &lt;string&gt; (“&lt;</a:t>
+            </a:r>
+            <a:r>
+              <a:rPr lang="en-US" dirty="0" err="1"/>
+              <a:t>homegoals</a:t>
+            </a:r>
+            <a:r>
+              <a:rPr lang="en-US" dirty="0"/>
+              <a:t>&gt; - &lt;</a:t>
+            </a:r>
+            <a:r>
+              <a:rPr lang="en-US" dirty="0" err="1"/>
+              <a:t>awaygoals</a:t>
+            </a:r>
+            <a:r>
+              <a:rPr lang="en-US" dirty="0"/>
+              <a:t>&gt;” e.g. “3-2”)</a:t>
+            </a:r>
+          </a:p>
+          <a:p>
+            <a:pPr lvl="2"/>
+            <a:r>
+              <a:rPr lang="en-US" dirty="0"/>
+              <a:t>“</a:t>
+            </a:r>
+            <a:r>
+              <a:rPr lang="en-US" dirty="0" err="1"/>
+              <a:t>actualResult</a:t>
+            </a:r>
+            <a:r>
+              <a:rPr lang="en-US" dirty="0"/>
+              <a:t>”: &lt;string&gt;</a:t>
+            </a:r>
+          </a:p>
+          <a:p>
+            <a:pPr lvl="1"/>
+            <a:r>
+              <a:rPr lang="en-US" dirty="0"/>
+              <a:t>]</a:t>
+            </a:r>
+          </a:p>
+          <a:p>
+            <a:r>
+              <a:rPr lang="en-US" dirty="0"/>
+              <a:t>}</a:t>
+            </a:r>
           </a:p>
         </p:txBody>
       </p:sp>
@@ -5345,6 +5587,10 @@
           <a:bodyPr/>
           <a:lstStyle/>
           <a:p>
+            <a:r>
+              <a:rPr lang="de-DE"/>
+              <a:t>Lisa Boos, Khaled Jallouli</a:t>
+            </a:r>
             <a:endParaRPr lang="de-DE" dirty="0"/>
           </a:p>
         </p:txBody>
@@ -5367,6 +5613,156 @@
             <a:fld id="{9A48FC86-4651-46AF-9E4A-D3FC30E17613}" type="slidenum">
               <a:rPr lang="de-DE" smtClean="0"/>
               <a:t>4</a:t>
+            </a:fld>
+            <a:endParaRPr lang="de-DE"/>
+          </a:p>
+        </p:txBody>
+      </p:sp>
+    </p:spTree>
+    <p:extLst>
+      <p:ext uri="{BB962C8B-B14F-4D97-AF65-F5344CB8AC3E}">
+        <p14:creationId xmlns:p14="http://schemas.microsoft.com/office/powerpoint/2010/main" val="2231013713"/>
+      </p:ext>
+    </p:extLst>
+  </p:cSld>
+  <p:clrMapOvr>
+    <a:masterClrMapping/>
+  </p:clrMapOvr>
+</p:sld>
+</file>
+
+<file path=ppt/slides/slide5.xml><?xml version="1.0" encoding="utf-8"?>
+<p:sld xmlns:a="http://schemas.openxmlformats.org/drawingml/2006/main" xmlns:r="http://schemas.openxmlformats.org/officeDocument/2006/relationships" xmlns:p="http://schemas.openxmlformats.org/presentationml/2006/main">
+  <p:cSld>
+    <p:spTree>
+      <p:nvGrpSpPr>
+        <p:cNvPr id="1" name=""/>
+        <p:cNvGrpSpPr/>
+        <p:nvPr/>
+      </p:nvGrpSpPr>
+      <p:grpSpPr>
+        <a:xfrm>
+          <a:off x="0" y="0"/>
+          <a:ext cx="0" cy="0"/>
+          <a:chOff x="0" y="0"/>
+          <a:chExt cx="0" cy="0"/>
+        </a:xfrm>
+      </p:grpSpPr>
+      <p:sp>
+        <p:nvSpPr>
+          <p:cNvPr id="2" name="Titre 1"/>
+          <p:cNvSpPr>
+            <a:spLocks noGrp="1"/>
+          </p:cNvSpPr>
+          <p:nvPr>
+            <p:ph type="title"/>
+          </p:nvPr>
+        </p:nvSpPr>
+        <p:spPr/>
+        <p:txBody>
+          <a:bodyPr/>
+          <a:lstStyle/>
+          <a:p>
+            <a:r>
+              <a:rPr lang="en-US" dirty="0"/>
+              <a:t>Old Version as a reminder</a:t>
+            </a:r>
+          </a:p>
+        </p:txBody>
+      </p:sp>
+      <p:sp>
+        <p:nvSpPr>
+          <p:cNvPr id="3" name="Espace réservé du contenu 2"/>
+          <p:cNvSpPr>
+            <a:spLocks noGrp="1"/>
+          </p:cNvSpPr>
+          <p:nvPr>
+            <p:ph idx="1"/>
+          </p:nvPr>
+        </p:nvSpPr>
+        <p:spPr/>
+        <p:txBody>
+          <a:bodyPr/>
+          <a:lstStyle/>
+          <a:p>
+            <a:r>
+              <a:rPr lang="en-US" dirty="0"/>
+              <a:t>GET the list of predicted soccer games: GET /</a:t>
+            </a:r>
+            <a:r>
+              <a:rPr lang="en-US" dirty="0" err="1"/>
+              <a:t>soccerGamesResults</a:t>
+            </a:r>
+            <a:r>
+              <a:rPr lang="en-US" dirty="0"/>
+              <a:t> in a JSON format.</a:t>
+            </a:r>
+          </a:p>
+          <a:p>
+            <a:endParaRPr lang="en-US" dirty="0"/>
+          </a:p>
+        </p:txBody>
+      </p:sp>
+      <p:sp>
+        <p:nvSpPr>
+          <p:cNvPr id="4" name="Espace réservé de la date 3"/>
+          <p:cNvSpPr>
+            <a:spLocks noGrp="1"/>
+          </p:cNvSpPr>
+          <p:nvPr>
+            <p:ph type="dt" sz="half" idx="10"/>
+          </p:nvPr>
+        </p:nvSpPr>
+        <p:spPr/>
+        <p:txBody>
+          <a:bodyPr/>
+          <a:lstStyle/>
+          <a:p>
+            <a:fld id="{C0D11AC0-B5D5-4B5F-9ECB-B7E6CF8984ED}" type="datetime1">
+              <a:rPr lang="de-DE" smtClean="0"/>
+              <a:t>12.06.2020</a:t>
+            </a:fld>
+            <a:endParaRPr lang="de-DE"/>
+          </a:p>
+        </p:txBody>
+      </p:sp>
+      <p:sp>
+        <p:nvSpPr>
+          <p:cNvPr id="5" name="Espace réservé du pied de page 4"/>
+          <p:cNvSpPr>
+            <a:spLocks noGrp="1"/>
+          </p:cNvSpPr>
+          <p:nvPr>
+            <p:ph type="ftr" sz="quarter" idx="11"/>
+          </p:nvPr>
+        </p:nvSpPr>
+        <p:spPr/>
+        <p:txBody>
+          <a:bodyPr/>
+          <a:lstStyle/>
+          <a:p>
+            <a:endParaRPr lang="de-DE" dirty="0"/>
+          </a:p>
+        </p:txBody>
+      </p:sp>
+      <p:sp>
+        <p:nvSpPr>
+          <p:cNvPr id="6" name="Espace réservé du numéro de diapositive 5"/>
+          <p:cNvSpPr>
+            <a:spLocks noGrp="1"/>
+          </p:cNvSpPr>
+          <p:nvPr>
+            <p:ph type="sldNum" sz="quarter" idx="12"/>
+          </p:nvPr>
+        </p:nvSpPr>
+        <p:spPr/>
+        <p:txBody>
+          <a:bodyPr/>
+          <a:lstStyle/>
+          <a:p>
+            <a:fld id="{9A48FC86-4651-46AF-9E4A-D3FC30E17613}" type="slidenum">
+              <a:rPr lang="de-DE" smtClean="0"/>
+              <a:t>5</a:t>
             </a:fld>
             <a:endParaRPr lang="de-DE"/>
           </a:p>
@@ -5412,17 +5808,10 @@
   <p:clrMapOvr>
     <a:masterClrMapping/>
   </p:clrMapOvr>
-  <p:timing>
-    <p:tnLst>
-      <p:par>
-        <p:cTn id="1" dur="indefinite" restart="never" nodeType="tmRoot"/>
-      </p:par>
-    </p:tnLst>
-  </p:timing>
 </p:sld>
 </file>
 
-<file path=ppt/slides/slide5.xml><?xml version="1.0" encoding="utf-8"?>
+<file path=ppt/slides/slide6.xml><?xml version="1.0" encoding="utf-8"?>
 <p:sld xmlns:a="http://schemas.openxmlformats.org/drawingml/2006/main" xmlns:r="http://schemas.openxmlformats.org/officeDocument/2006/relationships" xmlns:p="http://schemas.openxmlformats.org/presentationml/2006/main">
   <p:cSld>
     <p:spTree>
@@ -5441,7 +5830,13 @@
       </p:grpSpPr>
       <p:sp>
         <p:nvSpPr>
-          <p:cNvPr id="2" name="Titre 1"/>
+          <p:cNvPr id="2" name="Title 1">
+            <a:extLst>
+              <a:ext uri="{FF2B5EF4-FFF2-40B4-BE49-F238E27FC236}">
+                <a16:creationId xmlns:a16="http://schemas.microsoft.com/office/drawing/2014/main" id="{EA7F854D-D08E-4153-BFA8-4301F108D69C}"/>
+              </a:ext>
+            </a:extLst>
+          </p:cNvPr>
           <p:cNvSpPr>
             <a:spLocks noGrp="1"/>
           </p:cNvSpPr>
@@ -5455,16 +5850,22 @@
           <a:lstStyle/>
           <a:p>
             <a:r>
-              <a:rPr lang="en-US" dirty="0" smtClean="0"/>
-              <a:t>Fetching and Retrain Model Button</a:t>
-            </a:r>
-            <a:endParaRPr lang="en-US" dirty="0"/>
-          </a:p>
-        </p:txBody>
-      </p:sp>
-      <p:sp>
-        <p:nvSpPr>
-          <p:cNvPr id="3" name="Espace réservé du contenu 2"/>
+              <a:rPr lang="en-US" dirty="0"/>
+              <a:t>Future ideas</a:t>
+            </a:r>
+            <a:endParaRPr lang="en-DE" dirty="0"/>
+          </a:p>
+        </p:txBody>
+      </p:sp>
+      <p:sp>
+        <p:nvSpPr>
+          <p:cNvPr id="3" name="Content Placeholder 2">
+            <a:extLst>
+              <a:ext uri="{FF2B5EF4-FFF2-40B4-BE49-F238E27FC236}">
+                <a16:creationId xmlns:a16="http://schemas.microsoft.com/office/drawing/2014/main" id="{9016D1DE-AFA4-4530-87B8-57ECC35D5967}"/>
+              </a:ext>
+            </a:extLst>
+          </p:cNvPr>
           <p:cNvSpPr>
             <a:spLocks noGrp="1"/>
           </p:cNvSpPr>
@@ -5478,58 +5879,22 @@
           <a:lstStyle/>
           <a:p>
             <a:r>
-              <a:rPr lang="en-US" dirty="0" smtClean="0"/>
-              <a:t>GET /</a:t>
-            </a:r>
-            <a:r>
-              <a:rPr lang="en-US" dirty="0" err="1" smtClean="0"/>
-              <a:t>retrainClassification</a:t>
-            </a:r>
-            <a:r>
-              <a:rPr lang="en-US" dirty="0" smtClean="0"/>
-              <a:t>  (for results)</a:t>
-            </a:r>
-          </a:p>
-          <a:p>
-            <a:pPr lvl="1"/>
-            <a:r>
-              <a:rPr lang="en-US" dirty="0" smtClean="0"/>
-              <a:t>STRING: okay</a:t>
-            </a:r>
-            <a:endParaRPr lang="en-US" dirty="0"/>
-          </a:p>
-          <a:p>
-            <a:endParaRPr lang="en-US" dirty="0" smtClean="0"/>
-          </a:p>
-          <a:p>
-            <a:r>
               <a:rPr lang="en-US" dirty="0"/>
-              <a:t>GET /</a:t>
-            </a:r>
-            <a:r>
-              <a:rPr lang="en-US" dirty="0" err="1" smtClean="0"/>
-              <a:t>retrainRegression</a:t>
-            </a:r>
-            <a:r>
-              <a:rPr lang="en-US" dirty="0" smtClean="0"/>
-              <a:t> (for goals)</a:t>
-            </a:r>
-          </a:p>
-          <a:p>
-            <a:pPr lvl="1"/>
-            <a:r>
-              <a:rPr lang="en-US" dirty="0"/>
-              <a:t>STRING: okay</a:t>
-            </a:r>
-          </a:p>
-          <a:p>
-            <a:endParaRPr lang="en-US" dirty="0"/>
-          </a:p>
-        </p:txBody>
-      </p:sp>
-      <p:sp>
-        <p:nvSpPr>
-          <p:cNvPr id="4" name="Espace réservé de la date 3"/>
+              <a:t>Add error field in frontend, so if one of the API-calls doesn’t work, you get an error displayed instead of just nothing</a:t>
+            </a:r>
+            <a:endParaRPr lang="en-DE" dirty="0"/>
+          </a:p>
+        </p:txBody>
+      </p:sp>
+      <p:sp>
+        <p:nvSpPr>
+          <p:cNvPr id="4" name="Date Placeholder 3">
+            <a:extLst>
+              <a:ext uri="{FF2B5EF4-FFF2-40B4-BE49-F238E27FC236}">
+                <a16:creationId xmlns:a16="http://schemas.microsoft.com/office/drawing/2014/main" id="{AA564B58-49B0-4C25-AC4A-A77CEF61D406}"/>
+              </a:ext>
+            </a:extLst>
+          </p:cNvPr>
           <p:cNvSpPr>
             <a:spLocks noGrp="1"/>
           </p:cNvSpPr>
@@ -5552,7 +5917,13 @@
       </p:sp>
       <p:sp>
         <p:nvSpPr>
-          <p:cNvPr id="5" name="Espace réservé du pied de page 4"/>
+          <p:cNvPr id="5" name="Footer Placeholder 4">
+            <a:extLst>
+              <a:ext uri="{FF2B5EF4-FFF2-40B4-BE49-F238E27FC236}">
+                <a16:creationId xmlns:a16="http://schemas.microsoft.com/office/drawing/2014/main" id="{0B75F555-0DF6-4AC2-AFE7-6F93CBDAAAB8}"/>
+              </a:ext>
+            </a:extLst>
+          </p:cNvPr>
           <p:cNvSpPr>
             <a:spLocks noGrp="1"/>
           </p:cNvSpPr>
@@ -5566,7 +5937,7 @@
           <a:lstStyle/>
           <a:p>
             <a:r>
-              <a:rPr lang="de-DE" smtClean="0"/>
+              <a:rPr lang="de-DE"/>
               <a:t>Lisa Boos, Khaled Jallouli</a:t>
             </a:r>
             <a:endParaRPr lang="de-DE" dirty="0"/>
@@ -5575,7 +5946,13 @@
       </p:sp>
       <p:sp>
         <p:nvSpPr>
-          <p:cNvPr id="6" name="Espace réservé du numéro de diapositive 5"/>
+          <p:cNvPr id="6" name="Slide Number Placeholder 5">
+            <a:extLst>
+              <a:ext uri="{FF2B5EF4-FFF2-40B4-BE49-F238E27FC236}">
+                <a16:creationId xmlns:a16="http://schemas.microsoft.com/office/drawing/2014/main" id="{5B730664-65A7-4419-A7E6-CDC59B35C99E}"/>
+              </a:ext>
+            </a:extLst>
+          </p:cNvPr>
           <p:cNvSpPr>
             <a:spLocks noGrp="1"/>
           </p:cNvSpPr>
@@ -5590,7 +5967,7 @@
           <a:p>
             <a:fld id="{9A48FC86-4651-46AF-9E4A-D3FC30E17613}" type="slidenum">
               <a:rPr lang="de-DE" smtClean="0"/>
-              <a:t>5</a:t>
+              <a:t>6</a:t>
             </a:fld>
             <a:endParaRPr lang="de-DE"/>
           </a:p>
@@ -5599,7 +5976,7 @@
     </p:spTree>
     <p:extLst>
       <p:ext uri="{BB962C8B-B14F-4D97-AF65-F5344CB8AC3E}">
-        <p14:creationId xmlns:p14="http://schemas.microsoft.com/office/powerpoint/2010/main" val="3860057952"/>
+        <p14:creationId xmlns:p14="http://schemas.microsoft.com/office/powerpoint/2010/main" val="526038093"/>
       </p:ext>
     </p:extLst>
   </p:cSld>

--- a/Web/RESTful_API_Definition/API_LastSprint.pptx
+++ b/Web/RESTful_API_Definition/API_LastSprint.pptx
@@ -5508,7 +5508,7 @@
             </a:r>
             <a:r>
               <a:rPr lang="en-US" dirty="0"/>
-              <a:t>&gt; - &lt;</a:t>
+              <a:t>&gt;:&lt;</a:t>
             </a:r>
             <a:r>
               <a:rPr lang="en-US" dirty="0" err="1"/>
@@ -5516,7 +5516,7 @@
             </a:r>
             <a:r>
               <a:rPr lang="en-US" dirty="0"/>
-              <a:t>&gt;” e.g. “3-2”)</a:t>
+              <a:t>&gt;” e.g. “3:2”)</a:t>
             </a:r>
           </a:p>
           <a:p>

--- a/Web/RESTful_API_Definition/API_LastSprint.pptx
+++ b/Web/RESTful_API_Definition/API_LastSprint.pptx
@@ -846,7 +846,7 @@
           <a:p>
             <a:fld id="{9CDC8AA7-8D38-46C0-86D3-87BDB8133F92}" type="datetimeFigureOut">
               <a:rPr lang="de-DE" smtClean="0"/>
-              <a:t>12.06.2020</a:t>
+              <a:t>13.06.2020</a:t>
             </a:fld>
             <a:endParaRPr lang="de-DE"/>
           </a:p>
@@ -1361,7 +1361,7 @@
           <a:p>
             <a:fld id="{0BE53A1E-06E4-4C2E-89F2-9370B10FF3AC}" type="datetime1">
               <a:rPr lang="de-DE" smtClean="0"/>
-              <a:t>12.06.2020</a:t>
+              <a:t>13.06.2020</a:t>
             </a:fld>
             <a:endParaRPr lang="de-DE" dirty="0"/>
           </a:p>
@@ -1575,7 +1575,7 @@
           <a:p>
             <a:fld id="{97DCCE8C-7C19-4CE2-849C-730D9D984115}" type="datetime1">
               <a:rPr lang="de-DE" smtClean="0"/>
-              <a:t>12.06.2020</a:t>
+              <a:t>13.06.2020</a:t>
             </a:fld>
             <a:endParaRPr lang="de-DE"/>
           </a:p>
@@ -1794,7 +1794,7 @@
           <a:p>
             <a:fld id="{221A1AFA-2D7A-4A35-B2E9-5179FAD91C9A}" type="datetime1">
               <a:rPr lang="de-DE" smtClean="0"/>
-              <a:t>12.06.2020</a:t>
+              <a:t>13.06.2020</a:t>
             </a:fld>
             <a:endParaRPr lang="de-DE"/>
           </a:p>
@@ -2003,7 +2003,7 @@
           <a:p>
             <a:fld id="{C0D11AC0-B5D5-4B5F-9ECB-B7E6CF8984ED}" type="datetime1">
               <a:rPr lang="de-DE" smtClean="0"/>
-              <a:t>12.06.2020</a:t>
+              <a:t>13.06.2020</a:t>
             </a:fld>
             <a:endParaRPr lang="de-DE"/>
           </a:p>
@@ -2294,7 +2294,7 @@
           <a:p>
             <a:fld id="{0123EED1-A1E1-4DB9-BAD8-427B5E5A78DA}" type="datetime1">
               <a:rPr lang="de-DE" smtClean="0"/>
-              <a:t>12.06.2020</a:t>
+              <a:t>13.06.2020</a:t>
             </a:fld>
             <a:endParaRPr lang="de-DE"/>
           </a:p>
@@ -2575,7 +2575,7 @@
           <a:p>
             <a:fld id="{C0292DAF-4A36-4066-A6DB-535EF8475358}" type="datetime1">
               <a:rPr lang="de-DE" smtClean="0"/>
-              <a:t>12.06.2020</a:t>
+              <a:t>13.06.2020</a:t>
             </a:fld>
             <a:endParaRPr lang="de-DE"/>
           </a:p>
@@ -3003,7 +3003,7 @@
           <a:p>
             <a:fld id="{082539BE-CECA-45E4-BBE9-22C1404E74AB}" type="datetime1">
               <a:rPr lang="de-DE" smtClean="0"/>
-              <a:t>12.06.2020</a:t>
+              <a:t>13.06.2020</a:t>
             </a:fld>
             <a:endParaRPr lang="de-DE"/>
           </a:p>
@@ -3160,7 +3160,7 @@
           <a:p>
             <a:fld id="{7AFFB96A-BCEB-45BA-8370-8CD7A48406BE}" type="datetime1">
               <a:rPr lang="de-DE" smtClean="0"/>
-              <a:t>12.06.2020</a:t>
+              <a:t>13.06.2020</a:t>
             </a:fld>
             <a:endParaRPr lang="de-DE"/>
           </a:p>
@@ -3284,7 +3284,7 @@
           <a:p>
             <a:fld id="{DE3AD3D5-E4EA-4F9D-AD7B-23F76A457472}" type="datetime1">
               <a:rPr lang="de-DE" smtClean="0"/>
-              <a:t>12.06.2020</a:t>
+              <a:t>13.06.2020</a:t>
             </a:fld>
             <a:endParaRPr lang="de-DE"/>
           </a:p>
@@ -3611,7 +3611,7 @@
           <a:p>
             <a:fld id="{85B45B05-9F08-4563-869B-61599241AF1E}" type="datetime1">
               <a:rPr lang="de-DE" smtClean="0"/>
-              <a:t>12.06.2020</a:t>
+              <a:t>13.06.2020</a:t>
             </a:fld>
             <a:endParaRPr lang="de-DE"/>
           </a:p>
@@ -3915,7 +3915,7 @@
           <a:p>
             <a:fld id="{D652A3BE-F7B5-4A63-8062-DDAA4613127D}" type="datetime1">
               <a:rPr lang="de-DE" smtClean="0"/>
-              <a:t>12.06.2020</a:t>
+              <a:t>13.06.2020</a:t>
             </a:fld>
             <a:endParaRPr lang="de-DE"/>
           </a:p>
@@ -4172,7 +4172,7 @@
           <a:p>
             <a:fld id="{021D039D-3FEB-4CB2-8AA5-58331A7224C8}" type="datetime1">
               <a:rPr lang="de-DE" smtClean="0"/>
-              <a:t>12.06.2020</a:t>
+              <a:t>13.06.2020</a:t>
             </a:fld>
             <a:endParaRPr lang="de-DE" dirty="0"/>
           </a:p>
@@ -4995,7 +4995,7 @@
           <a:p>
             <a:fld id="{C0D11AC0-B5D5-4B5F-9ECB-B7E6CF8984ED}" type="datetime1">
               <a:rPr lang="de-DE" smtClean="0"/>
-              <a:t>12.06.2020</a:t>
+              <a:t>13.06.2020</a:t>
             </a:fld>
             <a:endParaRPr lang="de-DE"/>
           </a:p>
@@ -5290,7 +5290,7 @@
           <a:p>
             <a:fld id="{C0D11AC0-B5D5-4B5F-9ECB-B7E6CF8984ED}" type="datetime1">
               <a:rPr lang="de-DE" smtClean="0"/>
-              <a:t>12.06.2020</a:t>
+              <a:t>13.06.2020</a:t>
             </a:fld>
             <a:endParaRPr lang="de-DE"/>
           </a:p>
@@ -5500,7 +5500,33 @@
             </a:r>
             <a:r>
               <a:rPr lang="en-US" dirty="0"/>
-              <a:t>”: &lt;string&gt; (“&lt;</a:t>
+              <a:t>”: &lt;string&gt;</a:t>
+            </a:r>
+          </a:p>
+          <a:p>
+            <a:pPr lvl="3"/>
+            <a:r>
+              <a:rPr lang="en-US"/>
+              <a:t>Eith</a:t>
+            </a:r>
+            <a:r>
+              <a:rPr lang="en-US" dirty="0"/>
+              <a:t>e</a:t>
+            </a:r>
+            <a:r>
+              <a:rPr lang="en-US"/>
+              <a:t>r </a:t>
+            </a:r>
+            <a:r>
+              <a:rPr lang="en-US" dirty="0"/>
+              <a:t>“[D|H|A]” e.g. “H” for classification</a:t>
+            </a:r>
+          </a:p>
+          <a:p>
+            <a:pPr lvl="3"/>
+            <a:r>
+              <a:rPr lang="en-US" dirty="0"/>
+              <a:t>Or “&lt;</a:t>
             </a:r>
             <a:r>
               <a:rPr lang="en-US" dirty="0" err="1"/>
@@ -5516,7 +5542,7 @@
             </a:r>
             <a:r>
               <a:rPr lang="en-US" dirty="0"/>
-              <a:t>&gt;” e.g. “3:2”)</a:t>
+              <a:t>&gt;” e.g. “3:2” for regression</a:t>
             </a:r>
           </a:p>
           <a:p>
@@ -5566,7 +5592,7 @@
           <a:p>
             <a:fld id="{C0D11AC0-B5D5-4B5F-9ECB-B7E6CF8984ED}" type="datetime1">
               <a:rPr lang="de-DE" smtClean="0"/>
-              <a:t>12.06.2020</a:t>
+              <a:t>13.06.2020</a:t>
             </a:fld>
             <a:endParaRPr lang="de-DE"/>
           </a:p>
@@ -5720,7 +5746,7 @@
           <a:p>
             <a:fld id="{C0D11AC0-B5D5-4B5F-9ECB-B7E6CF8984ED}" type="datetime1">
               <a:rPr lang="de-DE" smtClean="0"/>
-              <a:t>12.06.2020</a:t>
+              <a:t>13.06.2020</a:t>
             </a:fld>
             <a:endParaRPr lang="de-DE"/>
           </a:p>
@@ -5909,7 +5935,7 @@
           <a:p>
             <a:fld id="{C0D11AC0-B5D5-4B5F-9ECB-B7E6CF8984ED}" type="datetime1">
               <a:rPr lang="de-DE" smtClean="0"/>
-              <a:t>12.06.2020</a:t>
+              <a:t>13.06.2020</a:t>
             </a:fld>
             <a:endParaRPr lang="de-DE"/>
           </a:p>
